--- a/docs/ec2_through_cft.pptx
+++ b/docs/ec2_through_cft.pptx
@@ -18,10 +18,15 @@
     <p:sldId id="264" r:id="rId12"/>
     <p:sldId id="265" r:id="rId13"/>
     <p:sldId id="269" r:id="rId14"/>
-    <p:sldId id="266" r:id="rId15"/>
-    <p:sldId id="267" r:id="rId16"/>
-    <p:sldId id="270" r:id="rId17"/>
-    <p:sldId id="271" r:id="rId18"/>
+    <p:sldId id="273" r:id="rId15"/>
+    <p:sldId id="266" r:id="rId16"/>
+    <p:sldId id="274" r:id="rId17"/>
+    <p:sldId id="275" r:id="rId18"/>
+    <p:sldId id="277" r:id="rId19"/>
+    <p:sldId id="278" r:id="rId20"/>
+    <p:sldId id="267" r:id="rId21"/>
+    <p:sldId id="270" r:id="rId22"/>
+    <p:sldId id="271" r:id="rId23"/>
   </p:sldIdLst>
   <p:sldSz cx="9144000" cy="6858000" type="screen4x3"/>
   <p:notesSz cx="6858000" cy="9144000"/>
@@ -4893,8 +4898,8 @@
         </p:nvSpPr>
         <p:spPr>
           <a:xfrm>
-            <a:off x="1043608" y="980728"/>
-            <a:ext cx="7082309" cy="1381472"/>
+            <a:off x="1259632" y="1124744"/>
+            <a:ext cx="7200800" cy="1237456"/>
           </a:xfrm>
         </p:spPr>
         <p:txBody>
@@ -5727,11 +5732,7 @@
             </a:r>
             <a:r>
               <a:rPr lang="en-IN" sz="2600" dirty="0"/>
-              <a:t> </a:t>
-            </a:r>
-            <a:r>
-              <a:rPr lang="en-IN" sz="2600" dirty="0"/>
-              <a:t>, Resources and </a:t>
+              <a:t> , Resources and </a:t>
             </a:r>
             <a:r>
               <a:rPr lang="en-IN" sz="2600" dirty="0" smtClean="0"/>
@@ -5741,11 +5742,7 @@
           <a:p>
             <a:r>
               <a:rPr lang="en-IN" sz="2600" dirty="0"/>
-              <a:t>Condition </a:t>
-            </a:r>
-            <a:r>
-              <a:rPr lang="en-IN" sz="2600" dirty="0"/>
-              <a:t>Intrinsic </a:t>
+              <a:t>Condition Intrinsic </a:t>
             </a:r>
             <a:r>
               <a:rPr lang="en-IN" sz="2600" dirty="0" smtClean="0"/>
@@ -5911,7 +5908,6 @@
               <a:rPr lang="en-IN" dirty="0"/>
               <a:t>Transform</a:t>
             </a:r>
-            <a:endParaRPr lang="en-IN" dirty="0"/>
           </a:p>
         </p:txBody>
       </p:sp>
@@ -5935,24 +5931,25 @@
           <a:bodyPr/>
           <a:lstStyle/>
           <a:p>
-            <a:endParaRPr lang="en-IN" dirty="0" smtClean="0"/>
-          </a:p>
-          <a:p>
             <a:r>
               <a:rPr lang="en-IN" dirty="0" smtClean="0"/>
-              <a:t>Will use to </a:t>
+              <a:t>To declare </a:t>
             </a:r>
             <a:r>
               <a:rPr lang="en-IN" dirty="0"/>
-              <a:t>declare one or more macros within a template.</a:t>
-            </a:r>
-            <a:endParaRPr lang="en-IN" dirty="0"/>
+              <a:t>one or more macros within a template.</a:t>
+            </a:r>
           </a:p>
           <a:p>
             <a:r>
               <a:rPr lang="en-IN" dirty="0" smtClean="0"/>
               <a:t>CFT Support below </a:t>
             </a:r>
+            <a:r>
+              <a:rPr lang="en-IN" dirty="0" err="1" smtClean="0"/>
+              <a:t>tranfrom</a:t>
+            </a:r>
+            <a:endParaRPr lang="en-IN" dirty="0" smtClean="0"/>
           </a:p>
           <a:p>
             <a:r>
@@ -5963,26 +5960,58 @@
               <a:rPr lang="en-IN" dirty="0"/>
               <a:t>::Serverless  </a:t>
             </a:r>
+            <a:endParaRPr lang="en-IN" dirty="0"/>
+          </a:p>
+          <a:p>
+            <a:r>
+              <a:rPr lang="en-IN" sz="1800" dirty="0" smtClean="0"/>
+              <a:t> </a:t>
+            </a:r>
+            <a:r>
+              <a:rPr lang="en-IN" sz="1800" dirty="0" smtClean="0"/>
+              <a:t>       Specifies </a:t>
+            </a:r>
+            <a:r>
+              <a:rPr lang="en-IN" sz="1800" dirty="0"/>
+              <a:t>the version of the AWS Serverless Application Model (AWS SAM) to </a:t>
+            </a:r>
+            <a:r>
+              <a:rPr lang="en-IN" sz="1800" dirty="0" smtClean="0"/>
+              <a:t>use example Lambda</a:t>
+            </a:r>
+            <a:endParaRPr lang="en-IN" dirty="0"/>
+          </a:p>
+          <a:p>
+            <a:r>
+              <a:rPr lang="en-IN" dirty="0"/>
+              <a:t>AWS::</a:t>
+            </a:r>
             <a:r>
               <a:rPr lang="en-IN" dirty="0" smtClean="0"/>
-              <a:t>(</a:t>
+              <a:t>Include</a:t>
+            </a:r>
+          </a:p>
+          <a:p>
+            <a:r>
+              <a:rPr lang="en-IN" sz="1800" dirty="0" smtClean="0"/>
+              <a:t>    </a:t>
             </a:r>
             <a:r>
               <a:rPr lang="en-IN" sz="1800" dirty="0"/>
-              <a:t>specifies the version of the AWS Serverless Application Model (AWS SAM) to use</a:t>
-            </a:r>
-            <a:r>
-              <a:rPr lang="en-IN" dirty="0" smtClean="0"/>
-              <a:t>)</a:t>
-            </a:r>
-            <a:endParaRPr lang="en-IN" dirty="0"/>
-          </a:p>
-          <a:p>
-            <a:r>
-              <a:rPr lang="en-IN" dirty="0"/>
-              <a:t>AWS::Include</a:t>
-            </a:r>
-            <a:endParaRPr lang="en-IN" dirty="0"/>
+              <a:t>Works </a:t>
+            </a:r>
+            <a:r>
+              <a:rPr lang="en-IN" sz="1800" dirty="0"/>
+              <a:t>with template snippets that are stored separately from the main AWS </a:t>
+            </a:r>
+            <a:r>
+              <a:rPr lang="en-IN" sz="1800" dirty="0"/>
+              <a:t>Cloud Formation template</a:t>
+            </a:r>
+            <a:r>
+              <a:rPr lang="en-IN" sz="1800" dirty="0" smtClean="0"/>
+              <a:t>.</a:t>
+            </a:r>
           </a:p>
         </p:txBody>
       </p:sp>
@@ -6025,33 +6054,6 @@
       </p:grpSpPr>
       <p:sp>
         <p:nvSpPr>
-          <p:cNvPr id="2" name="Title 1"/>
-          <p:cNvSpPr>
-            <a:spLocks noGrp="1"/>
-          </p:cNvSpPr>
-          <p:nvPr>
-            <p:ph type="title"/>
-          </p:nvPr>
-        </p:nvSpPr>
-        <p:spPr>
-          <a:xfrm>
-            <a:off x="1365880" y="40"/>
-            <a:ext cx="7772400" cy="1143000"/>
-          </a:xfrm>
-        </p:spPr>
-        <p:txBody>
-          <a:bodyPr/>
-          <a:lstStyle/>
-          <a:p>
-            <a:r>
-              <a:rPr lang="en-IN" dirty="0"/>
-              <a:t>Resources</a:t>
-            </a:r>
-          </a:p>
-        </p:txBody>
-      </p:sp>
-      <p:sp>
-        <p:nvSpPr>
           <p:cNvPr id="3" name="Content Placeholder 2"/>
           <p:cNvSpPr>
             <a:spLocks noGrp="1"/>
@@ -6062,22 +6064,362 @@
         </p:nvSpPr>
         <p:spPr>
           <a:xfrm>
-            <a:off x="1295400" y="980728"/>
-            <a:ext cx="7772400" cy="5760640"/>
+            <a:off x="1295400" y="116632"/>
+            <a:ext cx="7772400" cy="6624736"/>
           </a:xfrm>
         </p:spPr>
         <p:txBody>
           <a:bodyPr/>
           <a:lstStyle/>
           <a:p>
-            <a:endParaRPr lang="en-IN" dirty="0"/>
+            <a:r>
+              <a:rPr lang="en-IN" dirty="0"/>
+              <a:t>AWS::Serverless  </a:t>
+            </a:r>
+          </a:p>
+          <a:p>
+            <a:pPr marL="0" indent="0">
+              <a:buNone/>
+            </a:pPr>
+            <a:r>
+              <a:rPr lang="en-IN" sz="1200" dirty="0" smtClean="0"/>
+              <a:t>Transform</a:t>
+            </a:r>
+            <a:r>
+              <a:rPr lang="en-IN" sz="1200" dirty="0"/>
+              <a:t>: [</a:t>
+            </a:r>
+            <a:r>
+              <a:rPr lang="en-IN" sz="1200" dirty="0" err="1"/>
+              <a:t>MyMacro</a:t>
+            </a:r>
+            <a:r>
+              <a:rPr lang="en-IN" sz="1200" dirty="0"/>
+              <a:t>, AWS::Serverless] </a:t>
+            </a:r>
+            <a:endParaRPr lang="en-IN" sz="1200" dirty="0" smtClean="0"/>
+          </a:p>
+          <a:p>
+            <a:pPr marL="0" indent="0">
+              <a:buNone/>
+            </a:pPr>
+            <a:r>
+              <a:rPr lang="en-IN" sz="1200" dirty="0" smtClean="0"/>
+              <a:t>Resources</a:t>
+            </a:r>
+            <a:r>
+              <a:rPr lang="en-IN" sz="1200" dirty="0"/>
+              <a:t>: </a:t>
+            </a:r>
+            <a:endParaRPr lang="en-IN" sz="1200" dirty="0" smtClean="0"/>
+          </a:p>
+          <a:p>
+            <a:pPr marL="0" indent="0">
+              <a:buNone/>
+            </a:pPr>
+            <a:r>
+              <a:rPr lang="en-IN" sz="1200" dirty="0"/>
+              <a:t>	</a:t>
+            </a:r>
+            <a:r>
+              <a:rPr lang="en-IN" sz="1200" dirty="0" err="1" smtClean="0"/>
+              <a:t>WaitCondition</a:t>
+            </a:r>
+            <a:r>
+              <a:rPr lang="en-IN" sz="1200" dirty="0"/>
+              <a:t>: </a:t>
+            </a:r>
+            <a:endParaRPr lang="en-IN" sz="1200" dirty="0" smtClean="0"/>
+          </a:p>
+          <a:p>
+            <a:pPr marL="0" indent="0">
+              <a:buNone/>
+            </a:pPr>
+            <a:r>
+              <a:rPr lang="en-IN" sz="1200" dirty="0" smtClean="0"/>
+              <a:t>Type</a:t>
+            </a:r>
+            <a:r>
+              <a:rPr lang="en-IN" sz="1200" dirty="0"/>
+              <a:t>: </a:t>
+            </a:r>
+            <a:r>
+              <a:rPr lang="en-IN" sz="1200" dirty="0" smtClean="0"/>
+              <a:t>AWS</a:t>
+            </a:r>
+            <a:r>
+              <a:rPr lang="en-IN" sz="1200" dirty="0"/>
+              <a:t>::</a:t>
+            </a:r>
+            <a:r>
+              <a:rPr lang="en-IN" sz="1200" dirty="0" err="1"/>
+              <a:t>CloudFormation</a:t>
+            </a:r>
+            <a:r>
+              <a:rPr lang="en-IN" sz="1200" dirty="0"/>
+              <a:t>::</a:t>
+            </a:r>
+            <a:r>
+              <a:rPr lang="en-IN" sz="1200" dirty="0" err="1"/>
+              <a:t>WaitCondition</a:t>
+            </a:r>
+            <a:r>
+              <a:rPr lang="en-IN" sz="1200" dirty="0"/>
+              <a:t> </a:t>
+            </a:r>
+            <a:endParaRPr lang="en-IN" sz="1200" dirty="0" smtClean="0"/>
+          </a:p>
+          <a:p>
+            <a:pPr marL="0" indent="0">
+              <a:buNone/>
+            </a:pPr>
+            <a:r>
+              <a:rPr lang="en-IN" sz="1200" dirty="0" err="1" smtClean="0"/>
+              <a:t>MyBucket</a:t>
+            </a:r>
+            <a:r>
+              <a:rPr lang="en-IN" sz="1200" dirty="0"/>
+              <a:t>: </a:t>
+            </a:r>
+            <a:endParaRPr lang="en-IN" sz="1200" dirty="0" smtClean="0"/>
+          </a:p>
+          <a:p>
+            <a:pPr marL="0" indent="0">
+              <a:buNone/>
+            </a:pPr>
+            <a:r>
+              <a:rPr lang="en-IN" sz="1200" dirty="0" smtClean="0"/>
+              <a:t>	Type</a:t>
+            </a:r>
+            <a:r>
+              <a:rPr lang="en-IN" sz="1200" dirty="0"/>
+              <a:t>: 'AWS::S3::Bucket' </a:t>
+            </a:r>
+            <a:endParaRPr lang="en-IN" sz="1200" dirty="0" smtClean="0"/>
+          </a:p>
+          <a:p>
+            <a:pPr marL="0" indent="0">
+              <a:buNone/>
+            </a:pPr>
+            <a:r>
+              <a:rPr lang="en-IN" sz="1200" dirty="0" smtClean="0"/>
+              <a:t>Properties</a:t>
+            </a:r>
+            <a:r>
+              <a:rPr lang="en-IN" sz="1200" dirty="0"/>
+              <a:t>: </a:t>
+            </a:r>
+            <a:endParaRPr lang="en-IN" sz="1200" dirty="0" smtClean="0"/>
+          </a:p>
+          <a:p>
+            <a:pPr marL="0" indent="0">
+              <a:buNone/>
+            </a:pPr>
+            <a:r>
+              <a:rPr lang="en-IN" sz="1200" dirty="0" smtClean="0"/>
+              <a:t>	     </a:t>
+            </a:r>
+            <a:r>
+              <a:rPr lang="en-IN" sz="1200" dirty="0" err="1" smtClean="0"/>
+              <a:t>BucketName</a:t>
+            </a:r>
+            <a:r>
+              <a:rPr lang="en-IN" sz="1200" dirty="0"/>
+              <a:t>: </a:t>
+            </a:r>
+            <a:r>
+              <a:rPr lang="en-IN" sz="1200" dirty="0" err="1"/>
+              <a:t>MyBucket</a:t>
+            </a:r>
+            <a:r>
+              <a:rPr lang="en-IN" sz="1200" dirty="0"/>
+              <a:t> </a:t>
+            </a:r>
+            <a:endParaRPr lang="en-IN" sz="1200" dirty="0" smtClean="0"/>
+          </a:p>
+          <a:p>
+            <a:pPr marL="0" indent="0">
+              <a:buNone/>
+            </a:pPr>
+            <a:r>
+              <a:rPr lang="en-IN" sz="1200" dirty="0" smtClean="0"/>
+              <a:t>	Tags</a:t>
+            </a:r>
+            <a:r>
+              <a:rPr lang="en-IN" sz="1200" dirty="0"/>
+              <a:t>: [{"</a:t>
+            </a:r>
+            <a:r>
+              <a:rPr lang="en-IN" sz="1200" dirty="0" err="1"/>
+              <a:t>key":"value</a:t>
+            </a:r>
+            <a:r>
+              <a:rPr lang="en-IN" sz="1200" dirty="0"/>
+              <a:t>"}] </a:t>
+            </a:r>
+            <a:endParaRPr lang="en-IN" sz="1200" dirty="0" smtClean="0"/>
+          </a:p>
+          <a:p>
+            <a:pPr marL="0" indent="0">
+              <a:buNone/>
+            </a:pPr>
+            <a:r>
+              <a:rPr lang="en-IN" sz="1200" dirty="0" err="1" smtClean="0"/>
+              <a:t>CorsConfiguration</a:t>
+            </a:r>
+            <a:r>
+              <a:rPr lang="en-IN" sz="1200" dirty="0"/>
+              <a:t>:[] </a:t>
+            </a:r>
+            <a:endParaRPr lang="en-IN" sz="1200" dirty="0" smtClean="0"/>
+          </a:p>
+          <a:p>
+            <a:pPr marL="0" indent="0">
+              <a:buNone/>
+            </a:pPr>
+            <a:r>
+              <a:rPr lang="en-IN" sz="1200" dirty="0" smtClean="0"/>
+              <a:t>	MyEc2Instance</a:t>
+            </a:r>
+            <a:r>
+              <a:rPr lang="en-IN" sz="1200" dirty="0"/>
+              <a:t>: </a:t>
+            </a:r>
+            <a:endParaRPr lang="en-IN" sz="1200" dirty="0" smtClean="0"/>
+          </a:p>
+          <a:p>
+            <a:pPr marL="0" indent="0">
+              <a:buNone/>
+            </a:pPr>
+            <a:r>
+              <a:rPr lang="en-IN" sz="1200" dirty="0" smtClean="0"/>
+              <a:t>	Type</a:t>
+            </a:r>
+            <a:r>
+              <a:rPr lang="en-IN" sz="1200" dirty="0"/>
+              <a:t>: 'AWS::EC2::Instance' </a:t>
+            </a:r>
+            <a:endParaRPr lang="en-IN" sz="1200" dirty="0" smtClean="0"/>
+          </a:p>
+          <a:p>
+            <a:pPr marL="0" indent="0">
+              <a:buNone/>
+            </a:pPr>
+            <a:r>
+              <a:rPr lang="en-IN" sz="1200" dirty="0" smtClean="0"/>
+              <a:t>Properties:</a:t>
+            </a:r>
+          </a:p>
+          <a:p>
+            <a:pPr marL="0" indent="0">
+              <a:buNone/>
+            </a:pPr>
+            <a:r>
+              <a:rPr lang="en-IN" sz="1200" dirty="0"/>
+              <a:t>	</a:t>
+            </a:r>
+            <a:r>
+              <a:rPr lang="en-IN" sz="1200" dirty="0" smtClean="0"/>
+              <a:t> </a:t>
+            </a:r>
+            <a:r>
+              <a:rPr lang="en-IN" sz="1200" dirty="0" err="1"/>
+              <a:t>ImageID</a:t>
+            </a:r>
+            <a:r>
+              <a:rPr lang="en-IN" sz="1200" dirty="0"/>
+              <a:t>: "ami-123"</a:t>
+            </a:r>
+            <a:r>
+              <a:rPr lang="en-IN" sz="2000" dirty="0"/>
+              <a:t> </a:t>
+            </a:r>
+            <a:endParaRPr lang="en-IN" sz="2000" dirty="0" smtClean="0"/>
+          </a:p>
+          <a:p>
+            <a:pPr marL="0" indent="0">
+              <a:buNone/>
+            </a:pPr>
+            <a:endParaRPr lang="en-IN" sz="2000" dirty="0" smtClean="0"/>
+          </a:p>
+          <a:p>
+            <a:pPr marL="0" indent="0">
+              <a:buNone/>
+            </a:pPr>
+            <a:r>
+              <a:rPr lang="en-IN" sz="2000" dirty="0"/>
+              <a:t>AWS::Include</a:t>
+            </a:r>
+          </a:p>
+          <a:p>
+            <a:r>
+              <a:rPr lang="en-IN" sz="1200" dirty="0" smtClean="0"/>
+              <a:t>{</a:t>
+            </a:r>
+            <a:endParaRPr lang="en-IN" sz="1200" dirty="0"/>
+          </a:p>
+          <a:p>
+            <a:r>
+              <a:rPr lang="en-IN" sz="1200" dirty="0"/>
+              <a:t>   "Transform" : {</a:t>
+            </a:r>
+          </a:p>
+          <a:p>
+            <a:r>
+              <a:rPr lang="en-IN" sz="1200" dirty="0"/>
+              <a:t>       "Name" : "AWS::Include",</a:t>
+            </a:r>
+          </a:p>
+          <a:p>
+            <a:r>
+              <a:rPr lang="en-IN" sz="1200" dirty="0"/>
+              <a:t>       "Parameters" : {</a:t>
+            </a:r>
+          </a:p>
+          <a:p>
+            <a:r>
+              <a:rPr lang="en-IN" sz="1200" dirty="0"/>
+              <a:t>           "Location" : "s3://MyAmazonS3BucketName/</a:t>
+            </a:r>
+            <a:r>
+              <a:rPr lang="en-IN" sz="1200" dirty="0" err="1"/>
+              <a:t>MyFileName.json</a:t>
+            </a:r>
+            <a:r>
+              <a:rPr lang="en-IN" sz="1200" dirty="0"/>
+              <a:t>"</a:t>
+            </a:r>
+          </a:p>
+          <a:p>
+            <a:r>
+              <a:rPr lang="en-IN" sz="1200" dirty="0"/>
+              <a:t>        }</a:t>
+            </a:r>
+          </a:p>
+          <a:p>
+            <a:r>
+              <a:rPr lang="en-IN" sz="1200" dirty="0"/>
+              <a:t>    }</a:t>
+            </a:r>
+          </a:p>
+          <a:p>
+            <a:r>
+              <a:rPr lang="en-IN" sz="1200" dirty="0"/>
+              <a:t>}</a:t>
+            </a:r>
+          </a:p>
+          <a:p>
+            <a:pPr marL="0" indent="0">
+              <a:buNone/>
+            </a:pPr>
+            <a:endParaRPr lang="en-IN" sz="2000" dirty="0" smtClean="0"/>
           </a:p>
         </p:txBody>
       </p:sp>
     </p:spTree>
     <p:extLst>
       <p:ext uri="{BB962C8B-B14F-4D97-AF65-F5344CB8AC3E}">
-        <p14:creationId xmlns:p14="http://schemas.microsoft.com/office/powerpoint/2010/main" val="3549252158"/>
+        <p14:creationId xmlns:p14="http://schemas.microsoft.com/office/powerpoint/2010/main" val="2126995314"/>
       </p:ext>
     </p:extLst>
   </p:cSld>
@@ -6121,16 +6463,20 @@
             <p:ph type="title"/>
           </p:nvPr>
         </p:nvSpPr>
-        <p:spPr/>
+        <p:spPr>
+          <a:xfrm>
+            <a:off x="1371600" y="-99392"/>
+            <a:ext cx="7772400" cy="954400"/>
+          </a:xfrm>
+        </p:spPr>
         <p:txBody>
           <a:bodyPr/>
           <a:lstStyle/>
           <a:p>
             <a:r>
-              <a:rPr lang="en-IN" dirty="0" smtClean="0"/>
-              <a:t>Outputs</a:t>
-            </a:r>
-            <a:endParaRPr lang="en-IN" dirty="0"/>
+              <a:rPr lang="en-IN" dirty="0"/>
+              <a:t>Resources</a:t>
+            </a:r>
           </a:p>
         </p:txBody>
       </p:sp>
@@ -6144,19 +6490,214 @@
             <p:ph idx="1"/>
           </p:nvPr>
         </p:nvSpPr>
-        <p:spPr/>
+        <p:spPr>
+          <a:xfrm>
+            <a:off x="1371600" y="764704"/>
+            <a:ext cx="7772400" cy="6192688"/>
+          </a:xfrm>
+        </p:spPr>
         <p:txBody>
           <a:bodyPr/>
           <a:lstStyle/>
           <a:p>
-            <a:endParaRPr lang="en-IN"/>
+            <a:r>
+              <a:rPr lang="en-IN" sz="2000" dirty="0"/>
+              <a:t>D</a:t>
+            </a:r>
+            <a:r>
+              <a:rPr lang="en-IN" sz="2000" dirty="0" smtClean="0"/>
+              <a:t>eclares </a:t>
+            </a:r>
+            <a:r>
+              <a:rPr lang="en-IN" sz="2000" dirty="0"/>
+              <a:t>the AWS </a:t>
+            </a:r>
+            <a:r>
+              <a:rPr lang="en-IN" sz="2000" dirty="0" smtClean="0"/>
+              <a:t>resources </a:t>
+            </a:r>
+            <a:r>
+              <a:rPr lang="en-IN" sz="2000" dirty="0"/>
+              <a:t>that you want to include in the </a:t>
+            </a:r>
+            <a:r>
+              <a:rPr lang="en-IN" sz="2000" dirty="0" smtClean="0"/>
+              <a:t>stack.</a:t>
+            </a:r>
+          </a:p>
+          <a:p>
+            <a:pPr marL="0" indent="0">
+              <a:buNone/>
+            </a:pPr>
+            <a:r>
+              <a:rPr lang="en-IN" sz="2000" dirty="0" smtClean="0"/>
+              <a:t>Resource </a:t>
+            </a:r>
+            <a:r>
+              <a:rPr lang="en-IN" sz="2000" dirty="0"/>
+              <a:t>type identifiers always take the following form</a:t>
+            </a:r>
+            <a:endParaRPr lang="en-IN" sz="2000" dirty="0" smtClean="0"/>
+          </a:p>
+          <a:p>
+            <a:r>
+              <a:rPr lang="en-IN" sz="2000" dirty="0" smtClean="0"/>
+              <a:t>How to define Resource </a:t>
+            </a:r>
+          </a:p>
+          <a:p>
+            <a:pPr marL="0" indent="0">
+              <a:buNone/>
+            </a:pPr>
+            <a:r>
+              <a:rPr lang="en-IN" sz="1600" dirty="0" smtClean="0"/>
+              <a:t>"Type</a:t>
+            </a:r>
+            <a:r>
+              <a:rPr lang="en-IN" sz="1600" dirty="0"/>
+              <a:t>" </a:t>
+            </a:r>
+            <a:r>
+              <a:rPr lang="en-IN" sz="1600" dirty="0" smtClean="0"/>
+              <a:t>:</a:t>
+            </a:r>
+          </a:p>
+          <a:p>
+            <a:pPr marL="0" indent="0">
+              <a:buNone/>
+            </a:pPr>
+            <a:r>
+              <a:rPr lang="en-IN" sz="1600" dirty="0" smtClean="0"/>
+              <a:t> </a:t>
+            </a:r>
+            <a:r>
+              <a:rPr lang="en-IN" sz="1600" dirty="0"/>
+              <a:t>"AWS::EC2::</a:t>
+            </a:r>
+            <a:r>
+              <a:rPr lang="en-IN" sz="1600" dirty="0" smtClean="0"/>
+              <a:t>Volume“(</a:t>
+            </a:r>
+            <a:r>
+              <a:rPr lang="en-IN" sz="1600" dirty="0"/>
+              <a:t>service-provider::service-name::</a:t>
+            </a:r>
+            <a:r>
+              <a:rPr lang="en-IN" sz="1600" dirty="0" smtClean="0"/>
+              <a:t>data-type-name)</a:t>
+            </a:r>
+          </a:p>
+          <a:p>
+            <a:r>
+              <a:rPr lang="en-IN" sz="2000" dirty="0" smtClean="0"/>
+              <a:t>AWS providing 121 services in  that we have multiple data type names.</a:t>
+            </a:r>
+          </a:p>
+          <a:p>
+            <a:pPr lvl="1">
+              <a:buFont typeface="Wingdings" panose="05000000000000000000" pitchFamily="2" charset="2"/>
+              <a:buChar char="v"/>
+            </a:pPr>
+            <a:r>
+              <a:rPr lang="en-IN" sz="2000" dirty="0"/>
+              <a:t>EC2</a:t>
+            </a:r>
+          </a:p>
+          <a:p>
+            <a:pPr lvl="1">
+              <a:buFont typeface="Wingdings" panose="05000000000000000000" pitchFamily="2" charset="2"/>
+              <a:buChar char="v"/>
+            </a:pPr>
+            <a:r>
+              <a:rPr lang="en-IN" sz="2000" dirty="0" smtClean="0"/>
+              <a:t>ECS</a:t>
+            </a:r>
+          </a:p>
+          <a:p>
+            <a:pPr lvl="1">
+              <a:buFont typeface="Wingdings" panose="05000000000000000000" pitchFamily="2" charset="2"/>
+              <a:buChar char="v"/>
+            </a:pPr>
+            <a:r>
+              <a:rPr lang="en-IN" sz="2000" dirty="0" smtClean="0"/>
+              <a:t>IAM</a:t>
+            </a:r>
+          </a:p>
+          <a:p>
+            <a:pPr lvl="1">
+              <a:buFont typeface="Wingdings" panose="05000000000000000000" pitchFamily="2" charset="2"/>
+              <a:buChar char="v"/>
+            </a:pPr>
+            <a:r>
+              <a:rPr lang="en-IN" sz="2000" dirty="0" smtClean="0"/>
+              <a:t>Amazon EC2 Auto Scaling</a:t>
+            </a:r>
+          </a:p>
+          <a:p>
+            <a:pPr lvl="1">
+              <a:buFont typeface="Wingdings" panose="05000000000000000000" pitchFamily="2" charset="2"/>
+              <a:buChar char="v"/>
+            </a:pPr>
+            <a:r>
+              <a:rPr lang="en-IN" sz="2000" dirty="0" err="1" smtClean="0"/>
+              <a:t>CloudTrail</a:t>
+            </a:r>
+            <a:endParaRPr lang="en-IN" sz="2000" dirty="0" smtClean="0"/>
+          </a:p>
+          <a:p>
+            <a:pPr lvl="1">
+              <a:buFont typeface="Wingdings" panose="05000000000000000000" pitchFamily="2" charset="2"/>
+              <a:buChar char="v"/>
+            </a:pPr>
+            <a:r>
+              <a:rPr lang="en-IN" sz="2000" dirty="0" err="1" smtClean="0"/>
+              <a:t>CloudWatch</a:t>
+            </a:r>
+            <a:endParaRPr lang="en-IN" sz="2000" dirty="0" smtClean="0"/>
+          </a:p>
+          <a:p>
+            <a:pPr lvl="1">
+              <a:buFont typeface="Wingdings" panose="05000000000000000000" pitchFamily="2" charset="2"/>
+              <a:buChar char="v"/>
+            </a:pPr>
+            <a:r>
+              <a:rPr lang="en-IN" sz="2000" dirty="0" smtClean="0"/>
+              <a:t>Amazon S3</a:t>
+            </a:r>
+          </a:p>
+          <a:p>
+            <a:pPr lvl="1">
+              <a:buFont typeface="Wingdings" panose="05000000000000000000" pitchFamily="2" charset="2"/>
+              <a:buChar char="v"/>
+            </a:pPr>
+            <a:r>
+              <a:rPr lang="en-IN" sz="2000" dirty="0" smtClean="0"/>
+              <a:t>SNS</a:t>
+            </a:r>
+          </a:p>
+          <a:p>
+            <a:pPr lvl="1">
+              <a:buFont typeface="Wingdings" panose="05000000000000000000" pitchFamily="2" charset="2"/>
+              <a:buChar char="v"/>
+            </a:pPr>
+            <a:r>
+              <a:rPr lang="en-IN" sz="2000" dirty="0" smtClean="0"/>
+              <a:t>SNQ</a:t>
+            </a:r>
+          </a:p>
+          <a:p>
+            <a:pPr lvl="1">
+              <a:buFont typeface="Wingdings" panose="05000000000000000000" pitchFamily="2" charset="2"/>
+              <a:buChar char="v"/>
+            </a:pPr>
+            <a:endParaRPr lang="en-IN" sz="2000" dirty="0" smtClean="0"/>
           </a:p>
         </p:txBody>
       </p:sp>
     </p:spTree>
     <p:extLst>
       <p:ext uri="{BB962C8B-B14F-4D97-AF65-F5344CB8AC3E}">
-        <p14:creationId xmlns:p14="http://schemas.microsoft.com/office/powerpoint/2010/main" val="2459915662"/>
+        <p14:creationId xmlns:p14="http://schemas.microsoft.com/office/powerpoint/2010/main" val="3549252158"/>
       </p:ext>
     </p:extLst>
   </p:cSld>
@@ -6202,35 +6743,778 @@
         </p:nvSpPr>
         <p:spPr>
           <a:xfrm>
-            <a:off x="1115616" y="2204864"/>
-            <a:ext cx="7772400" cy="4114800"/>
+            <a:off x="1295400" y="116632"/>
+            <a:ext cx="7772400" cy="6840760"/>
           </a:xfrm>
         </p:spPr>
         <p:txBody>
           <a:bodyPr/>
           <a:lstStyle/>
           <a:p>
-            <a:pPr marL="0" indent="0" algn="ctr">
-              <a:buNone/>
-            </a:pPr>
-            <a:r>
-              <a:rPr lang="en-IN" sz="9600" dirty="0" smtClean="0"/>
-              <a:t>FQA</a:t>
-            </a:r>
-            <a:endParaRPr lang="en-IN" sz="9600" dirty="0"/>
+            <a:r>
+              <a:rPr lang="en-IN" dirty="0" smtClean="0"/>
+              <a:t>Some Examples are </a:t>
+            </a:r>
+          </a:p>
+          <a:p>
+            <a:r>
+              <a:rPr lang="en-IN" sz="2000" u="sng" dirty="0">
+                <a:hlinkClick r:id="rId2"/>
+              </a:rPr>
+              <a:t>AWS::EC2</a:t>
+            </a:r>
+            <a:r>
+              <a:rPr lang="en-IN" sz="2000" u="sng" dirty="0" smtClean="0">
+                <a:hlinkClick r:id="rId2"/>
+              </a:rPr>
+              <a:t>::</a:t>
+            </a:r>
+            <a:r>
+              <a:rPr lang="en-IN" sz="2000" u="sng" dirty="0" smtClean="0"/>
+              <a:t> </a:t>
+            </a:r>
+            <a:r>
+              <a:rPr lang="en-IN" sz="2000" dirty="0"/>
+              <a:t> </a:t>
+            </a:r>
+            <a:r>
+              <a:rPr lang="en-IN" sz="2000" dirty="0" smtClean="0"/>
+              <a:t>                             </a:t>
+            </a:r>
+            <a:r>
+              <a:rPr lang="en-IN" sz="2000" dirty="0">
+                <a:hlinkClick r:id="rId3"/>
+              </a:rPr>
+              <a:t>AWS::</a:t>
+            </a:r>
+            <a:r>
+              <a:rPr lang="en-IN" sz="2000" dirty="0" err="1">
+                <a:hlinkClick r:id="rId3"/>
+              </a:rPr>
+              <a:t>AutoScaling</a:t>
+            </a:r>
+            <a:r>
+              <a:rPr lang="en-IN" sz="2000" dirty="0">
+                <a:hlinkClick r:id="rId3"/>
+              </a:rPr>
+              <a:t>::</a:t>
+            </a:r>
+            <a:endParaRPr lang="en-IN" sz="2000" dirty="0"/>
+          </a:p>
+          <a:p>
+            <a:pPr lvl="1"/>
+            <a:r>
+              <a:rPr lang="en-IN" sz="1400" dirty="0" smtClean="0"/>
+              <a:t>Instance</a:t>
+            </a:r>
+          </a:p>
+          <a:p>
+            <a:pPr lvl="1"/>
+            <a:r>
+              <a:rPr lang="en-IN" sz="1400" dirty="0" err="1" smtClean="0"/>
+              <a:t>SecurityGroup</a:t>
+            </a:r>
+            <a:endParaRPr lang="en-IN" sz="1400" dirty="0" smtClean="0"/>
+          </a:p>
+          <a:p>
+            <a:pPr lvl="1"/>
+            <a:r>
+              <a:rPr lang="en-IN" sz="1400" dirty="0" smtClean="0"/>
+              <a:t>Subnet</a:t>
+            </a:r>
+          </a:p>
+          <a:p>
+            <a:pPr lvl="1"/>
+            <a:r>
+              <a:rPr lang="en-IN" sz="1400" dirty="0" smtClean="0"/>
+              <a:t>Volume</a:t>
+            </a:r>
+          </a:p>
+          <a:p>
+            <a:pPr lvl="1"/>
+            <a:r>
+              <a:rPr lang="en-IN" sz="1400" dirty="0" smtClean="0"/>
+              <a:t>VPC</a:t>
+            </a:r>
+          </a:p>
+          <a:p>
+            <a:pPr marL="342900" lvl="1" indent="-342900">
+              <a:buClr>
+                <a:schemeClr val="accent2"/>
+              </a:buClr>
+              <a:buChar char="•"/>
+            </a:pPr>
+            <a:r>
+              <a:rPr lang="en-IN" sz="2000" u="sng" dirty="0" smtClean="0">
+                <a:ea typeface="+mn-ea"/>
+                <a:cs typeface="+mn-cs"/>
+                <a:hlinkClick r:id="rId4"/>
+              </a:rPr>
+              <a:t>AWS</a:t>
+            </a:r>
+            <a:r>
+              <a:rPr lang="en-IN" sz="2000" u="sng" dirty="0">
+                <a:ea typeface="+mn-ea"/>
+                <a:cs typeface="+mn-cs"/>
+                <a:hlinkClick r:id="rId4"/>
+              </a:rPr>
+              <a:t>::SNS</a:t>
+            </a:r>
+            <a:r>
+              <a:rPr lang="en-IN" sz="2000" u="sng" dirty="0" smtClean="0">
+                <a:ea typeface="+mn-ea"/>
+                <a:cs typeface="+mn-cs"/>
+                <a:hlinkClick r:id="rId4"/>
+              </a:rPr>
+              <a:t>::</a:t>
+            </a:r>
+            <a:r>
+              <a:rPr lang="en-IN" sz="2000" u="sng" dirty="0" smtClean="0">
+                <a:ea typeface="+mn-ea"/>
+                <a:cs typeface="+mn-cs"/>
+              </a:rPr>
+              <a:t> </a:t>
+            </a:r>
+            <a:r>
+              <a:rPr lang="en-IN" sz="2000" dirty="0" smtClean="0">
+                <a:ea typeface="+mn-ea"/>
+                <a:cs typeface="+mn-cs"/>
+              </a:rPr>
+              <a:t>                                </a:t>
+            </a:r>
+            <a:r>
+              <a:rPr lang="en-IN" sz="2000" u="sng" dirty="0">
+                <a:ea typeface="+mn-ea"/>
+                <a:cs typeface="+mn-cs"/>
+              </a:rPr>
+              <a:t>AWS::</a:t>
+            </a:r>
+            <a:r>
+              <a:rPr lang="en-IN" sz="2000" u="sng" dirty="0" err="1">
+                <a:ea typeface="+mn-ea"/>
+                <a:cs typeface="+mn-cs"/>
+              </a:rPr>
+              <a:t>CloudTrail</a:t>
+            </a:r>
+            <a:r>
+              <a:rPr lang="en-IN" sz="2000" u="sng" dirty="0">
+                <a:ea typeface="+mn-ea"/>
+                <a:cs typeface="+mn-cs"/>
+              </a:rPr>
+              <a:t>::</a:t>
+            </a:r>
+            <a:endParaRPr lang="en-IN" sz="2000" u="sng" dirty="0">
+              <a:ea typeface="+mn-ea"/>
+              <a:cs typeface="+mn-cs"/>
+            </a:endParaRPr>
+          </a:p>
+          <a:p>
+            <a:pPr lvl="1"/>
+            <a:r>
+              <a:rPr lang="en-IN" sz="1400" dirty="0"/>
+              <a:t>Subscription</a:t>
+            </a:r>
+          </a:p>
+          <a:p>
+            <a:pPr lvl="1"/>
+            <a:r>
+              <a:rPr lang="en-IN" sz="1400" dirty="0"/>
+              <a:t>Topic			</a:t>
+            </a:r>
+            <a:r>
+              <a:rPr lang="en-IN" sz="2000" u="sng" dirty="0">
+                <a:ea typeface="+mn-ea"/>
+                <a:cs typeface="+mn-cs"/>
+              </a:rPr>
+              <a:t>AWS::IAM::</a:t>
+            </a:r>
+          </a:p>
+          <a:p>
+            <a:pPr lvl="1"/>
+            <a:r>
+              <a:rPr lang="en-IN" sz="1400" dirty="0" err="1" smtClean="0"/>
+              <a:t>TopicPolicy</a:t>
+            </a:r>
+            <a:endParaRPr lang="en-IN" sz="1400" dirty="0" smtClean="0"/>
+          </a:p>
+          <a:p>
+            <a:pPr marL="342900" lvl="1" indent="-342900">
+              <a:buClr>
+                <a:schemeClr val="accent2"/>
+              </a:buClr>
+              <a:buChar char="•"/>
+            </a:pPr>
+            <a:r>
+              <a:rPr lang="en-IN" sz="2000" u="sng" dirty="0" smtClean="0">
+                <a:ea typeface="+mn-ea"/>
+                <a:cs typeface="+mn-cs"/>
+                <a:hlinkClick r:id="rId5"/>
+              </a:rPr>
+              <a:t>AWS</a:t>
+            </a:r>
+            <a:r>
+              <a:rPr lang="en-IN" sz="2000" u="sng" dirty="0">
+                <a:ea typeface="+mn-ea"/>
+                <a:cs typeface="+mn-cs"/>
+                <a:hlinkClick r:id="rId5"/>
+              </a:rPr>
+              <a:t>::SQS</a:t>
+            </a:r>
+            <a:r>
+              <a:rPr lang="en-IN" sz="2000" u="sng" dirty="0" smtClean="0">
+                <a:ea typeface="+mn-ea"/>
+                <a:cs typeface="+mn-cs"/>
+                <a:hlinkClick r:id="rId5"/>
+              </a:rPr>
+              <a:t>::</a:t>
+            </a:r>
+            <a:endParaRPr lang="en-IN" sz="2000" u="sng" dirty="0" smtClean="0">
+              <a:ea typeface="+mn-ea"/>
+              <a:cs typeface="+mn-cs"/>
+            </a:endParaRPr>
+          </a:p>
+          <a:p>
+            <a:pPr lvl="1"/>
+            <a:r>
+              <a:rPr lang="en-IN" sz="1400" dirty="0"/>
+              <a:t>Queue</a:t>
+            </a:r>
+          </a:p>
+          <a:p>
+            <a:pPr lvl="1"/>
+            <a:r>
+              <a:rPr lang="en-IN" sz="1400" dirty="0" err="1"/>
+              <a:t>QueuePolicy</a:t>
+            </a:r>
+            <a:endParaRPr lang="en-IN" sz="1400" dirty="0"/>
+          </a:p>
+          <a:p>
+            <a:pPr marL="342900" lvl="1" indent="-342900">
+              <a:buClr>
+                <a:schemeClr val="accent2"/>
+              </a:buClr>
+              <a:buChar char="•"/>
+            </a:pPr>
+            <a:r>
+              <a:rPr lang="en-IN" sz="2000" u="sng" dirty="0">
+                <a:hlinkClick r:id="rId6"/>
+              </a:rPr>
+              <a:t>AWS::</a:t>
+            </a:r>
+            <a:r>
+              <a:rPr lang="en-IN" sz="2000" u="sng" dirty="0" err="1" smtClean="0">
+                <a:hlinkClick r:id="rId6"/>
+              </a:rPr>
+              <a:t>CloudWatch</a:t>
+            </a:r>
+            <a:endParaRPr lang="en-IN" sz="2000" u="sng" dirty="0" smtClean="0"/>
+          </a:p>
+          <a:p>
+            <a:pPr lvl="1">
+              <a:buClr>
+                <a:schemeClr val="accent2"/>
+              </a:buClr>
+            </a:pPr>
+            <a:r>
+              <a:rPr lang="en-IN" sz="1400" dirty="0"/>
+              <a:t>Alarm</a:t>
+            </a:r>
+          </a:p>
+          <a:p>
+            <a:pPr lvl="1">
+              <a:buClr>
+                <a:schemeClr val="accent2"/>
+              </a:buClr>
+            </a:pPr>
+            <a:r>
+              <a:rPr lang="en-IN" sz="1400" dirty="0" err="1"/>
+              <a:t>AnomalyDetector</a:t>
+            </a:r>
+            <a:endParaRPr lang="en-IN" sz="1400" dirty="0"/>
+          </a:p>
+          <a:p>
+            <a:pPr lvl="1">
+              <a:buClr>
+                <a:schemeClr val="accent2"/>
+              </a:buClr>
+            </a:pPr>
+            <a:r>
+              <a:rPr lang="en-IN" sz="1400" dirty="0" err="1"/>
+              <a:t>CompositeAlarm</a:t>
+            </a:r>
+            <a:endParaRPr lang="en-IN" sz="1400" dirty="0"/>
+          </a:p>
+          <a:p>
+            <a:pPr lvl="1">
+              <a:buClr>
+                <a:schemeClr val="accent2"/>
+              </a:buClr>
+            </a:pPr>
+            <a:r>
+              <a:rPr lang="en-IN" sz="1400" dirty="0"/>
+              <a:t>Dashboard</a:t>
+            </a:r>
+          </a:p>
+          <a:p>
+            <a:pPr lvl="1">
+              <a:buClr>
+                <a:schemeClr val="accent2"/>
+              </a:buClr>
+            </a:pPr>
+            <a:r>
+              <a:rPr lang="en-IN" sz="1400" dirty="0" err="1" smtClean="0"/>
+              <a:t>InsightRule</a:t>
+            </a:r>
+            <a:r>
+              <a:rPr lang="en-IN" sz="1400" dirty="0" smtClean="0"/>
+              <a:t>			</a:t>
+            </a:r>
+            <a:endParaRPr lang="en-IN" sz="2000" u="sng" dirty="0">
+              <a:ea typeface="+mn-ea"/>
+              <a:cs typeface="+mn-cs"/>
+            </a:endParaRPr>
+          </a:p>
+        </p:txBody>
+      </p:sp>
+      <p:sp>
+        <p:nvSpPr>
+          <p:cNvPr id="6" name="TextBox 5"/>
+          <p:cNvSpPr txBox="1"/>
+          <p:nvPr/>
+        </p:nvSpPr>
+        <p:spPr>
+          <a:xfrm>
+            <a:off x="4860032" y="2708920"/>
+            <a:ext cx="2752296" cy="307777"/>
+          </a:xfrm>
+          <a:prstGeom prst="rect">
+            <a:avLst/>
+          </a:prstGeom>
+          <a:noFill/>
+        </p:spPr>
+        <p:txBody>
+          <a:bodyPr wrap="square" rtlCol="0">
+            <a:spAutoFit/>
+          </a:bodyPr>
+          <a:lstStyle/>
+          <a:p>
+            <a:pPr marL="742950" lvl="1" indent="-285750" eaLnBrk="1" hangingPunct="1">
+              <a:spcBef>
+                <a:spcPct val="20000"/>
+              </a:spcBef>
+              <a:buChar char="–"/>
+            </a:pPr>
+            <a:r>
+              <a:rPr kumimoji="1" lang="en-IN" sz="1400" dirty="0" smtClean="0">
+                <a:latin typeface="+mn-lt"/>
+              </a:rPr>
+              <a:t>Trail</a:t>
+            </a:r>
+            <a:endParaRPr kumimoji="1" lang="en-IN" sz="1400" dirty="0">
+              <a:latin typeface="+mn-lt"/>
+            </a:endParaRPr>
+          </a:p>
+        </p:txBody>
+      </p:sp>
+      <p:sp>
+        <p:nvSpPr>
+          <p:cNvPr id="7" name="TextBox 6"/>
+          <p:cNvSpPr txBox="1"/>
+          <p:nvPr/>
+        </p:nvSpPr>
+        <p:spPr>
+          <a:xfrm>
+            <a:off x="4652392" y="1052736"/>
+            <a:ext cx="2752296" cy="1341906"/>
+          </a:xfrm>
+          <a:prstGeom prst="rect">
+            <a:avLst/>
+          </a:prstGeom>
+          <a:noFill/>
+        </p:spPr>
+        <p:txBody>
+          <a:bodyPr wrap="square" rtlCol="0">
+            <a:spAutoFit/>
+          </a:bodyPr>
+          <a:lstStyle/>
+          <a:p>
+            <a:pPr marL="742950" lvl="1" indent="-285750" eaLnBrk="1" hangingPunct="1">
+              <a:spcBef>
+                <a:spcPct val="20000"/>
+              </a:spcBef>
+              <a:buChar char="–"/>
+            </a:pPr>
+            <a:r>
+              <a:rPr kumimoji="1" lang="en-IN" sz="1400" dirty="0" err="1">
+                <a:latin typeface="+mn-lt"/>
+              </a:rPr>
+              <a:t>AutoScalingGroup</a:t>
+            </a:r>
+            <a:endParaRPr kumimoji="1" lang="en-IN" sz="1400" dirty="0">
+              <a:latin typeface="+mn-lt"/>
+            </a:endParaRPr>
+          </a:p>
+          <a:p>
+            <a:pPr marL="742950" lvl="1" indent="-285750" eaLnBrk="1" hangingPunct="1">
+              <a:spcBef>
+                <a:spcPct val="20000"/>
+              </a:spcBef>
+              <a:buChar char="–"/>
+            </a:pPr>
+            <a:r>
+              <a:rPr kumimoji="1" lang="en-IN" sz="1400" dirty="0" err="1">
+                <a:latin typeface="+mn-lt"/>
+              </a:rPr>
+              <a:t>LaunchConfiguration</a:t>
+            </a:r>
+            <a:endParaRPr kumimoji="1" lang="en-IN" sz="1400" dirty="0">
+              <a:latin typeface="+mn-lt"/>
+            </a:endParaRPr>
+          </a:p>
+          <a:p>
+            <a:pPr marL="742950" lvl="1" indent="-285750" eaLnBrk="1" hangingPunct="1">
+              <a:spcBef>
+                <a:spcPct val="20000"/>
+              </a:spcBef>
+              <a:buChar char="–"/>
+            </a:pPr>
+            <a:r>
+              <a:rPr kumimoji="1" lang="en-IN" sz="1400" dirty="0" err="1">
+                <a:latin typeface="+mn-lt"/>
+              </a:rPr>
+              <a:t>LifecycleHook</a:t>
+            </a:r>
+            <a:endParaRPr kumimoji="1" lang="en-IN" sz="1400" dirty="0">
+              <a:latin typeface="+mn-lt"/>
+            </a:endParaRPr>
+          </a:p>
+          <a:p>
+            <a:pPr marL="742950" lvl="1" indent="-285750" eaLnBrk="1" hangingPunct="1">
+              <a:spcBef>
+                <a:spcPct val="20000"/>
+              </a:spcBef>
+              <a:buChar char="–"/>
+            </a:pPr>
+            <a:r>
+              <a:rPr kumimoji="1" lang="en-IN" sz="1400" dirty="0" err="1">
+                <a:latin typeface="+mn-lt"/>
+              </a:rPr>
+              <a:t>ScalingPolicy</a:t>
+            </a:r>
+            <a:endParaRPr kumimoji="1" lang="en-IN" sz="1400" dirty="0">
+              <a:latin typeface="+mn-lt"/>
+            </a:endParaRPr>
+          </a:p>
+          <a:p>
+            <a:pPr marL="742950" lvl="1" indent="-285750" eaLnBrk="1" hangingPunct="1">
+              <a:spcBef>
+                <a:spcPct val="20000"/>
+              </a:spcBef>
+              <a:buChar char="–"/>
+            </a:pPr>
+            <a:r>
+              <a:rPr kumimoji="1" lang="en-IN" sz="1400" dirty="0" err="1">
+                <a:latin typeface="+mn-lt"/>
+              </a:rPr>
+              <a:t>ScheduledAction</a:t>
+            </a:r>
+            <a:endParaRPr kumimoji="1" lang="en-IN" sz="1400" dirty="0">
+              <a:latin typeface="+mn-lt"/>
+            </a:endParaRPr>
+          </a:p>
+        </p:txBody>
+      </p:sp>
+      <p:sp>
+        <p:nvSpPr>
+          <p:cNvPr id="8" name="TextBox 7"/>
+          <p:cNvSpPr txBox="1"/>
+          <p:nvPr/>
+        </p:nvSpPr>
+        <p:spPr>
+          <a:xfrm>
+            <a:off x="4933876" y="3284984"/>
+            <a:ext cx="2752296" cy="2376035"/>
+          </a:xfrm>
+          <a:prstGeom prst="rect">
+            <a:avLst/>
+          </a:prstGeom>
+          <a:noFill/>
+        </p:spPr>
+        <p:txBody>
+          <a:bodyPr wrap="square" rtlCol="0">
+            <a:spAutoFit/>
+          </a:bodyPr>
+          <a:lstStyle/>
+          <a:p>
+            <a:pPr marL="742950" lvl="1" indent="-285750" eaLnBrk="1" hangingPunct="1">
+              <a:spcBef>
+                <a:spcPct val="20000"/>
+              </a:spcBef>
+              <a:buChar char="–"/>
+            </a:pPr>
+            <a:r>
+              <a:rPr kumimoji="1" lang="en-IN" sz="1400" dirty="0" err="1">
+                <a:latin typeface="+mn-lt"/>
+              </a:rPr>
+              <a:t>AccessKey</a:t>
+            </a:r>
+            <a:endParaRPr kumimoji="1" lang="en-IN" sz="1400" dirty="0">
+              <a:latin typeface="+mn-lt"/>
+            </a:endParaRPr>
+          </a:p>
+          <a:p>
+            <a:pPr marL="742950" lvl="1" indent="-285750" eaLnBrk="1" hangingPunct="1">
+              <a:spcBef>
+                <a:spcPct val="20000"/>
+              </a:spcBef>
+              <a:buChar char="–"/>
+            </a:pPr>
+            <a:r>
+              <a:rPr kumimoji="1" lang="en-IN" sz="1400" dirty="0">
+                <a:latin typeface="+mn-lt"/>
+              </a:rPr>
+              <a:t>Group</a:t>
+            </a:r>
+          </a:p>
+          <a:p>
+            <a:pPr marL="742950" lvl="1" indent="-285750" eaLnBrk="1" hangingPunct="1">
+              <a:spcBef>
+                <a:spcPct val="20000"/>
+              </a:spcBef>
+              <a:buChar char="–"/>
+            </a:pPr>
+            <a:r>
+              <a:rPr kumimoji="1" lang="en-IN" sz="1400" dirty="0" err="1">
+                <a:latin typeface="+mn-lt"/>
+              </a:rPr>
+              <a:t>InstanceProfile</a:t>
+            </a:r>
+            <a:endParaRPr kumimoji="1" lang="en-IN" sz="1400" dirty="0">
+              <a:latin typeface="+mn-lt"/>
+            </a:endParaRPr>
+          </a:p>
+          <a:p>
+            <a:pPr marL="742950" lvl="1" indent="-285750" eaLnBrk="1" hangingPunct="1">
+              <a:spcBef>
+                <a:spcPct val="20000"/>
+              </a:spcBef>
+              <a:buChar char="–"/>
+            </a:pPr>
+            <a:r>
+              <a:rPr kumimoji="1" lang="en-IN" sz="1400" dirty="0" err="1">
+                <a:latin typeface="+mn-lt"/>
+              </a:rPr>
+              <a:t>ManagedPolicy</a:t>
+            </a:r>
+            <a:endParaRPr kumimoji="1" lang="en-IN" sz="1400" dirty="0">
+              <a:latin typeface="+mn-lt"/>
+            </a:endParaRPr>
+          </a:p>
+          <a:p>
+            <a:pPr marL="742950" lvl="1" indent="-285750" eaLnBrk="1" hangingPunct="1">
+              <a:spcBef>
+                <a:spcPct val="20000"/>
+              </a:spcBef>
+              <a:buChar char="–"/>
+            </a:pPr>
+            <a:r>
+              <a:rPr kumimoji="1" lang="en-IN" sz="1400" dirty="0">
+                <a:latin typeface="+mn-lt"/>
+              </a:rPr>
+              <a:t>Policy</a:t>
+            </a:r>
+          </a:p>
+          <a:p>
+            <a:pPr marL="742950" lvl="1" indent="-285750" eaLnBrk="1" hangingPunct="1">
+              <a:spcBef>
+                <a:spcPct val="20000"/>
+              </a:spcBef>
+              <a:buChar char="–"/>
+            </a:pPr>
+            <a:r>
+              <a:rPr kumimoji="1" lang="en-IN" sz="1400" dirty="0">
+                <a:latin typeface="+mn-lt"/>
+              </a:rPr>
+              <a:t>Role</a:t>
+            </a:r>
+          </a:p>
+          <a:p>
+            <a:pPr marL="742950" lvl="1" indent="-285750" eaLnBrk="1" hangingPunct="1">
+              <a:spcBef>
+                <a:spcPct val="20000"/>
+              </a:spcBef>
+              <a:buChar char="–"/>
+            </a:pPr>
+            <a:r>
+              <a:rPr kumimoji="1" lang="en-IN" sz="1400" dirty="0" err="1">
+                <a:latin typeface="+mn-lt"/>
+              </a:rPr>
+              <a:t>ServiceLinkedRole</a:t>
+            </a:r>
+            <a:endParaRPr kumimoji="1" lang="en-IN" sz="1400" dirty="0">
+              <a:latin typeface="+mn-lt"/>
+            </a:endParaRPr>
+          </a:p>
+          <a:p>
+            <a:pPr marL="742950" lvl="1" indent="-285750" eaLnBrk="1" hangingPunct="1">
+              <a:spcBef>
+                <a:spcPct val="20000"/>
+              </a:spcBef>
+              <a:buChar char="–"/>
+            </a:pPr>
+            <a:r>
+              <a:rPr kumimoji="1" lang="en-IN" sz="1400" dirty="0">
+                <a:latin typeface="+mn-lt"/>
+              </a:rPr>
+              <a:t>User</a:t>
+            </a:r>
+          </a:p>
+          <a:p>
+            <a:pPr marL="742950" lvl="1" indent="-285750" eaLnBrk="1" hangingPunct="1">
+              <a:spcBef>
+                <a:spcPct val="20000"/>
+              </a:spcBef>
+              <a:buChar char="–"/>
+            </a:pPr>
+            <a:r>
+              <a:rPr kumimoji="1" lang="en-IN" sz="1400" dirty="0" err="1">
+                <a:latin typeface="+mn-lt"/>
+              </a:rPr>
+              <a:t>UserToGroupAddition</a:t>
+            </a:r>
+            <a:endParaRPr kumimoji="1" lang="en-IN" sz="1400" dirty="0">
+              <a:latin typeface="+mn-lt"/>
+            </a:endParaRPr>
+          </a:p>
+        </p:txBody>
+      </p:sp>
+      <p:sp>
+        <p:nvSpPr>
+          <p:cNvPr id="9" name="TextBox 8"/>
+          <p:cNvSpPr txBox="1"/>
+          <p:nvPr/>
+        </p:nvSpPr>
+        <p:spPr>
+          <a:xfrm>
+            <a:off x="4067944" y="5691843"/>
+            <a:ext cx="3819808" cy="1434239"/>
+          </a:xfrm>
+          <a:prstGeom prst="rect">
+            <a:avLst/>
+          </a:prstGeom>
+          <a:noFill/>
+        </p:spPr>
+        <p:txBody>
+          <a:bodyPr wrap="square" rtlCol="0">
+            <a:spAutoFit/>
+          </a:bodyPr>
+          <a:lstStyle/>
+          <a:p>
+            <a:pPr lvl="1" eaLnBrk="1" hangingPunct="1">
+              <a:spcBef>
+                <a:spcPct val="20000"/>
+              </a:spcBef>
+            </a:pPr>
+            <a:r>
+              <a:rPr kumimoji="1" lang="en-IN" sz="2000" dirty="0" smtClean="0">
+                <a:latin typeface="+mn-lt"/>
+              </a:rPr>
+              <a:t>	</a:t>
+            </a:r>
+            <a:r>
+              <a:rPr kumimoji="1" lang="en-IN" sz="2000" u="sng" dirty="0" smtClean="0">
+                <a:latin typeface="+mn-lt"/>
+              </a:rPr>
+              <a:t>AWS</a:t>
+            </a:r>
+            <a:r>
+              <a:rPr kumimoji="1" lang="en-IN" sz="2000" u="sng" dirty="0">
+                <a:latin typeface="+mn-lt"/>
+              </a:rPr>
+              <a:t>::S3:: </a:t>
+            </a:r>
+            <a:endParaRPr kumimoji="1" lang="en-IN" sz="2000" u="sng" dirty="0">
+              <a:latin typeface="+mn-lt"/>
+            </a:endParaRPr>
+          </a:p>
+          <a:p>
+            <a:pPr marL="1657350" lvl="3" indent="-285750" eaLnBrk="1" hangingPunct="1">
+              <a:spcBef>
+                <a:spcPct val="20000"/>
+              </a:spcBef>
+              <a:buChar char="–"/>
+            </a:pPr>
+            <a:r>
+              <a:rPr kumimoji="1" lang="en-IN" sz="1400" dirty="0" err="1" smtClean="0">
+                <a:latin typeface="+mn-lt"/>
+              </a:rPr>
+              <a:t>AccessPoint</a:t>
+            </a:r>
+            <a:endParaRPr kumimoji="1" lang="en-IN" sz="1400" dirty="0">
+              <a:latin typeface="+mn-lt"/>
+            </a:endParaRPr>
+          </a:p>
+          <a:p>
+            <a:pPr marL="1657350" lvl="3" indent="-285750" eaLnBrk="1" hangingPunct="1">
+              <a:spcBef>
+                <a:spcPct val="20000"/>
+              </a:spcBef>
+              <a:buChar char="–"/>
+            </a:pPr>
+            <a:r>
+              <a:rPr kumimoji="1" lang="en-IN" sz="1400" dirty="0">
+                <a:latin typeface="+mn-lt"/>
+              </a:rPr>
+              <a:t>Bucket</a:t>
+            </a:r>
+          </a:p>
+          <a:p>
+            <a:pPr marL="1657350" lvl="3" indent="-285750" eaLnBrk="1" hangingPunct="1">
+              <a:spcBef>
+                <a:spcPct val="20000"/>
+              </a:spcBef>
+              <a:buChar char="–"/>
+            </a:pPr>
+            <a:r>
+              <a:rPr kumimoji="1" lang="en-IN" sz="1400" dirty="0" err="1">
+                <a:latin typeface="+mn-lt"/>
+              </a:rPr>
+              <a:t>BucketPolicy</a:t>
+            </a:r>
+            <a:endParaRPr kumimoji="1" lang="en-IN" sz="1400" dirty="0">
+              <a:latin typeface="+mn-lt"/>
+            </a:endParaRPr>
+          </a:p>
+          <a:p>
+            <a:pPr marL="742950" lvl="1" indent="-285750" eaLnBrk="1" hangingPunct="1">
+              <a:spcBef>
+                <a:spcPct val="20000"/>
+              </a:spcBef>
+              <a:buChar char="–"/>
+            </a:pPr>
+            <a:endParaRPr kumimoji="1" lang="en-IN" sz="1400" dirty="0">
+              <a:latin typeface="+mn-lt"/>
+            </a:endParaRPr>
           </a:p>
         </p:txBody>
       </p:sp>
     </p:spTree>
     <p:extLst>
       <p:ext uri="{BB962C8B-B14F-4D97-AF65-F5344CB8AC3E}">
-        <p14:creationId xmlns:p14="http://schemas.microsoft.com/office/powerpoint/2010/main" val="2139627848"/>
+        <p14:creationId xmlns:p14="http://schemas.microsoft.com/office/powerpoint/2010/main" val="3788360576"/>
       </p:ext>
     </p:extLst>
   </p:cSld>
   <p:clrMapOvr>
     <a:masterClrMapping/>
   </p:clrMapOvr>
+  <p:timing>
+    <p:tnLst>
+      <p:par>
+        <p:cTn id="1" dur="indefinite" restart="never" nodeType="tmRoot"/>
+      </p:par>
+    </p:tnLst>
+  </p:timing>
 </p:sld>
 </file>
 
@@ -6263,8 +7547,8 @@
         </p:nvSpPr>
         <p:spPr>
           <a:xfrm>
-            <a:off x="1187624" y="2492896"/>
-            <a:ext cx="7772400" cy="4114800"/>
+            <a:off x="1259632" y="24024"/>
+            <a:ext cx="7772400" cy="6573328"/>
           </a:xfrm>
         </p:spPr>
         <p:txBody>
@@ -6275,27 +7559,1446 @@
               <a:buNone/>
             </a:pPr>
             <a:r>
-              <a:rPr lang="en-IN" sz="9600" dirty="0" smtClean="0"/>
-              <a:t>Thank  YOU </a:t>
-            </a:r>
-            <a:endParaRPr lang="en-IN" sz="9600" dirty="0"/>
+              <a:rPr lang="en-IN" sz="2800" dirty="0" err="1"/>
+              <a:t>Exampmle</a:t>
+            </a:r>
+            <a:r>
+              <a:rPr lang="en-IN" sz="2800" dirty="0"/>
+              <a:t> </a:t>
+            </a:r>
+            <a:r>
+              <a:rPr lang="en-IN" sz="2800" dirty="0" smtClean="0"/>
+              <a:t>:</a:t>
+            </a:r>
+          </a:p>
+          <a:p>
+            <a:pPr marL="0" indent="0">
+              <a:buNone/>
+            </a:pPr>
+            <a:r>
+              <a:rPr lang="en-IN" sz="1800" dirty="0" smtClean="0"/>
+              <a:t>Resources :</a:t>
+            </a:r>
+          </a:p>
+          <a:p>
+            <a:pPr marL="0" indent="0">
+              <a:buNone/>
+            </a:pPr>
+            <a:r>
+              <a:rPr lang="en-IN" sz="1800" dirty="0" smtClean="0"/>
+              <a:t>Ec2Volume{</a:t>
+            </a:r>
+            <a:endParaRPr lang="en-IN" sz="1800" dirty="0"/>
+          </a:p>
+          <a:p>
+            <a:pPr marL="0" indent="0">
+              <a:buNone/>
+            </a:pPr>
+            <a:r>
+              <a:rPr lang="en-IN" sz="1800" dirty="0"/>
+              <a:t>{ </a:t>
+            </a:r>
+            <a:r>
+              <a:rPr lang="en-IN" sz="1800" dirty="0" smtClean="0"/>
+              <a:t> </a:t>
+            </a:r>
+          </a:p>
+          <a:p>
+            <a:pPr marL="0" indent="0">
+              <a:buNone/>
+            </a:pPr>
+            <a:r>
+              <a:rPr lang="en-IN" sz="1800" dirty="0" smtClean="0"/>
+              <a:t>"</a:t>
+            </a:r>
+            <a:r>
+              <a:rPr lang="en-IN" sz="1800" dirty="0"/>
+              <a:t>Type" : "AWS::EC2::Volume",</a:t>
+            </a:r>
+          </a:p>
+          <a:p>
+            <a:pPr marL="0" indent="0">
+              <a:buNone/>
+            </a:pPr>
+            <a:r>
+              <a:rPr lang="en-IN" sz="1800" dirty="0"/>
+              <a:t> "Properties" : </a:t>
+            </a:r>
+          </a:p>
+          <a:p>
+            <a:pPr marL="0" indent="0">
+              <a:buNone/>
+            </a:pPr>
+            <a:r>
+              <a:rPr lang="en-IN" sz="1800" dirty="0"/>
+              <a:t>{ "</a:t>
+            </a:r>
+            <a:r>
+              <a:rPr lang="en-IN" sz="1800" dirty="0" err="1">
+                <a:hlinkClick r:id="rId2"/>
+              </a:rPr>
+              <a:t>AutoEnableIO</a:t>
+            </a:r>
+            <a:r>
+              <a:rPr lang="en-IN" sz="1800" dirty="0"/>
+              <a:t>" : Boolean, </a:t>
+            </a:r>
+          </a:p>
+          <a:p>
+            <a:pPr marL="0" indent="0">
+              <a:buNone/>
+            </a:pPr>
+            <a:r>
+              <a:rPr lang="en-IN" sz="1800" dirty="0"/>
+              <a:t>"</a:t>
+            </a:r>
+            <a:r>
+              <a:rPr lang="en-IN" sz="1800" dirty="0" err="1">
+                <a:hlinkClick r:id="rId3"/>
+              </a:rPr>
+              <a:t>AvailabilityZone</a:t>
+            </a:r>
+            <a:r>
+              <a:rPr lang="en-IN" sz="1800" dirty="0"/>
+              <a:t>" : String,</a:t>
+            </a:r>
+          </a:p>
+          <a:p>
+            <a:pPr marL="0" indent="0">
+              <a:buNone/>
+            </a:pPr>
+            <a:r>
+              <a:rPr lang="en-IN" sz="1800" dirty="0"/>
+              <a:t> "</a:t>
+            </a:r>
+            <a:r>
+              <a:rPr lang="en-IN" sz="1800" dirty="0">
+                <a:hlinkClick r:id="rId4"/>
+              </a:rPr>
+              <a:t>Encrypted</a:t>
+            </a:r>
+            <a:r>
+              <a:rPr lang="en-IN" sz="1800" dirty="0"/>
+              <a:t>" : Boolean, </a:t>
+            </a:r>
+          </a:p>
+          <a:p>
+            <a:pPr marL="0" indent="0">
+              <a:buNone/>
+            </a:pPr>
+            <a:r>
+              <a:rPr lang="en-IN" sz="1800" dirty="0"/>
+              <a:t>"</a:t>
+            </a:r>
+            <a:r>
+              <a:rPr lang="en-IN" sz="1800" dirty="0" err="1">
+                <a:hlinkClick r:id="rId5"/>
+              </a:rPr>
+              <a:t>Iops</a:t>
+            </a:r>
+            <a:r>
+              <a:rPr lang="en-IN" sz="1800" dirty="0"/>
+              <a:t>" : Integer,</a:t>
+            </a:r>
+          </a:p>
+          <a:p>
+            <a:pPr marL="0" indent="0">
+              <a:buNone/>
+            </a:pPr>
+            <a:r>
+              <a:rPr lang="en-IN" sz="1800" dirty="0"/>
+              <a:t> "</a:t>
+            </a:r>
+            <a:r>
+              <a:rPr lang="en-IN" sz="1800" dirty="0" err="1">
+                <a:hlinkClick r:id="rId6"/>
+              </a:rPr>
+              <a:t>KmsKeyId</a:t>
+            </a:r>
+            <a:r>
+              <a:rPr lang="en-IN" sz="1800" dirty="0"/>
+              <a:t>" : String, </a:t>
+            </a:r>
+          </a:p>
+          <a:p>
+            <a:pPr marL="0" indent="0">
+              <a:buNone/>
+            </a:pPr>
+            <a:r>
+              <a:rPr lang="en-IN" sz="1800" dirty="0"/>
+              <a:t>"</a:t>
+            </a:r>
+            <a:r>
+              <a:rPr lang="en-IN" sz="1800" dirty="0" err="1">
+                <a:hlinkClick r:id="rId7"/>
+              </a:rPr>
+              <a:t>MultiAttachEnabled</a:t>
+            </a:r>
+            <a:r>
+              <a:rPr lang="en-IN" sz="1800" dirty="0"/>
+              <a:t>" : Boolean,</a:t>
+            </a:r>
+          </a:p>
+          <a:p>
+            <a:pPr marL="0" indent="0">
+              <a:buNone/>
+            </a:pPr>
+            <a:r>
+              <a:rPr lang="en-IN" sz="1800" dirty="0"/>
+              <a:t> "</a:t>
+            </a:r>
+            <a:r>
+              <a:rPr lang="en-IN" sz="1800" dirty="0">
+                <a:hlinkClick r:id="rId8"/>
+              </a:rPr>
+              <a:t>Size</a:t>
+            </a:r>
+            <a:r>
+              <a:rPr lang="en-IN" sz="1800" dirty="0"/>
+              <a:t>" : Integer,</a:t>
+            </a:r>
+          </a:p>
+          <a:p>
+            <a:pPr marL="0" indent="0">
+              <a:buNone/>
+            </a:pPr>
+            <a:r>
+              <a:rPr lang="en-IN" sz="1800" dirty="0"/>
+              <a:t> "</a:t>
+            </a:r>
+            <a:r>
+              <a:rPr lang="en-IN" sz="1800" dirty="0" err="1">
+                <a:hlinkClick r:id="rId9"/>
+              </a:rPr>
+              <a:t>SnapshotId</a:t>
+            </a:r>
+            <a:r>
+              <a:rPr lang="en-IN" sz="1800" dirty="0"/>
+              <a:t>" : String, </a:t>
+            </a:r>
+          </a:p>
+          <a:p>
+            <a:pPr marL="0" indent="0">
+              <a:buNone/>
+            </a:pPr>
+            <a:r>
+              <a:rPr lang="en-IN" sz="1800" dirty="0"/>
+              <a:t>"</a:t>
+            </a:r>
+            <a:r>
+              <a:rPr lang="en-IN" sz="1800" dirty="0">
+                <a:hlinkClick r:id="rId10"/>
+              </a:rPr>
+              <a:t>Tags</a:t>
+            </a:r>
+            <a:r>
+              <a:rPr lang="en-IN" sz="1800" dirty="0"/>
+              <a:t>" : [ </a:t>
+            </a:r>
+            <a:r>
+              <a:rPr lang="en-IN" sz="1800" dirty="0">
+                <a:hlinkClick r:id="rId11"/>
+              </a:rPr>
+              <a:t>Tag</a:t>
+            </a:r>
+            <a:r>
+              <a:rPr lang="en-IN" sz="1800" dirty="0"/>
+              <a:t>, ... ], </a:t>
+            </a:r>
+            <a:r>
+              <a:rPr lang="en-IN" sz="1800" dirty="0">
+                <a:hlinkClick r:id="rId12"/>
+              </a:rPr>
+              <a:t>“</a:t>
+            </a:r>
+            <a:endParaRPr lang="en-IN" sz="1800" dirty="0"/>
+          </a:p>
+          <a:p>
+            <a:pPr marL="0" indent="0">
+              <a:buNone/>
+            </a:pPr>
+            <a:r>
+              <a:rPr lang="en-IN" sz="1800" dirty="0" err="1">
+                <a:hlinkClick r:id="rId12"/>
+              </a:rPr>
+              <a:t>VolumeType</a:t>
+            </a:r>
+            <a:r>
+              <a:rPr lang="en-IN" sz="1800" dirty="0"/>
+              <a:t>" : String </a:t>
+            </a:r>
+          </a:p>
+          <a:p>
+            <a:pPr marL="0" indent="0">
+              <a:buNone/>
+            </a:pPr>
+            <a:r>
+              <a:rPr lang="en-IN" sz="1800" dirty="0"/>
+              <a:t>} </a:t>
+            </a:r>
+          </a:p>
+          <a:p>
+            <a:pPr marL="0" indent="0">
+              <a:buNone/>
+            </a:pPr>
+            <a:r>
+              <a:rPr lang="en-IN" sz="1800" dirty="0" smtClean="0"/>
+              <a:t>}</a:t>
+            </a:r>
+          </a:p>
+          <a:p>
+            <a:pPr marL="0" indent="0">
+              <a:buNone/>
+            </a:pPr>
+            <a:r>
+              <a:rPr lang="en-IN" sz="1800" dirty="0"/>
+              <a:t>}</a:t>
+            </a:r>
+            <a:endParaRPr lang="en-IN" sz="1800" dirty="0"/>
           </a:p>
         </p:txBody>
       </p:sp>
     </p:spTree>
     <p:extLst>
       <p:ext uri="{BB962C8B-B14F-4D97-AF65-F5344CB8AC3E}">
-        <p14:creationId xmlns:p14="http://schemas.microsoft.com/office/powerpoint/2010/main" val="188641182"/>
+        <p14:creationId xmlns:p14="http://schemas.microsoft.com/office/powerpoint/2010/main" val="2365899041"/>
       </p:ext>
     </p:extLst>
   </p:cSld>
   <p:clrMapOvr>
     <a:masterClrMapping/>
   </p:clrMapOvr>
+  <p:timing>
+    <p:tnLst>
+      <p:par>
+        <p:cTn id="1" dur="indefinite" restart="never" nodeType="tmRoot"/>
+      </p:par>
+    </p:tnLst>
+  </p:timing>
+</p:sld>
+</file>
+
+<file path=ppt/slides/slide18.xml><?xml version="1.0" encoding="utf-8"?>
+<p:sld xmlns:a="http://schemas.openxmlformats.org/drawingml/2006/main" xmlns:r="http://schemas.openxmlformats.org/officeDocument/2006/relationships" xmlns:p="http://schemas.openxmlformats.org/presentationml/2006/main">
+  <p:cSld>
+    <p:spTree>
+      <p:nvGrpSpPr>
+        <p:cNvPr id="1" name=""/>
+        <p:cNvGrpSpPr/>
+        <p:nvPr/>
+      </p:nvGrpSpPr>
+      <p:grpSpPr>
+        <a:xfrm>
+          <a:off x="0" y="0"/>
+          <a:ext cx="0" cy="0"/>
+          <a:chOff x="0" y="0"/>
+          <a:chExt cx="0" cy="0"/>
+        </a:xfrm>
+      </p:grpSpPr>
+      <p:sp>
+        <p:nvSpPr>
+          <p:cNvPr id="3" name="Content Placeholder 2"/>
+          <p:cNvSpPr>
+            <a:spLocks noGrp="1"/>
+          </p:cNvSpPr>
+          <p:nvPr>
+            <p:ph idx="1"/>
+          </p:nvPr>
+        </p:nvSpPr>
+        <p:spPr>
+          <a:xfrm>
+            <a:off x="1295400" y="116632"/>
+            <a:ext cx="7772400" cy="6552728"/>
+          </a:xfrm>
+        </p:spPr>
+        <p:txBody>
+          <a:bodyPr/>
+          <a:lstStyle/>
+          <a:p>
+            <a:r>
+              <a:rPr lang="en-IN" sz="2800" dirty="0"/>
+              <a:t>"AlramEC2HighCPU","AlramLowHighCPU"</a:t>
+            </a:r>
+          </a:p>
+          <a:p>
+            <a:pPr marL="0" indent="0">
+              <a:buNone/>
+            </a:pPr>
+            <a:r>
+              <a:rPr lang="en-IN" sz="1200" dirty="0" smtClean="0"/>
+              <a:t>	{</a:t>
+            </a:r>
+            <a:endParaRPr lang="en-IN" sz="1200" dirty="0"/>
+          </a:p>
+          <a:p>
+            <a:pPr marL="0" indent="0">
+              <a:buNone/>
+            </a:pPr>
+            <a:r>
+              <a:rPr lang="en-IN" sz="1200" dirty="0"/>
+              <a:t>  </a:t>
+            </a:r>
+            <a:r>
+              <a:rPr lang="en-IN" sz="1200" dirty="0" smtClean="0"/>
+              <a:t>	"</a:t>
+            </a:r>
+            <a:r>
+              <a:rPr lang="en-IN" sz="1200" dirty="0"/>
+              <a:t>Type" : "AWS::</a:t>
+            </a:r>
+            <a:r>
+              <a:rPr lang="en-IN" sz="1200" dirty="0" err="1"/>
+              <a:t>CloudWatch</a:t>
+            </a:r>
+            <a:r>
+              <a:rPr lang="en-IN" sz="1200" dirty="0"/>
+              <a:t>::Alarm",</a:t>
+            </a:r>
+          </a:p>
+          <a:p>
+            <a:pPr marL="0" indent="0">
+              <a:buNone/>
+            </a:pPr>
+            <a:r>
+              <a:rPr lang="en-IN" sz="1200" dirty="0"/>
+              <a:t>  </a:t>
+            </a:r>
+            <a:r>
+              <a:rPr lang="en-IN" sz="1200" dirty="0" smtClean="0"/>
+              <a:t>	"</a:t>
+            </a:r>
+            <a:r>
+              <a:rPr lang="en-IN" sz="1200" dirty="0"/>
+              <a:t>Properties" : {</a:t>
+            </a:r>
+          </a:p>
+          <a:p>
+            <a:pPr marL="0" indent="0">
+              <a:buNone/>
+            </a:pPr>
+            <a:r>
+              <a:rPr lang="en-IN" sz="1200" dirty="0"/>
+              <a:t>    </a:t>
+            </a:r>
+            <a:r>
+              <a:rPr lang="en-IN" sz="1200" dirty="0" smtClean="0"/>
+              <a:t>	  </a:t>
+            </a:r>
+            <a:r>
+              <a:rPr lang="en-IN" sz="1200" dirty="0"/>
+              <a:t>"</a:t>
+            </a:r>
+            <a:r>
+              <a:rPr lang="en-IN" sz="1200" dirty="0" err="1"/>
+              <a:t>ActionsEnabled</a:t>
+            </a:r>
+            <a:r>
+              <a:rPr lang="en-IN" sz="1200" dirty="0"/>
+              <a:t>" : Boolean,</a:t>
+            </a:r>
+          </a:p>
+          <a:p>
+            <a:pPr marL="0" indent="0">
+              <a:buNone/>
+            </a:pPr>
+            <a:r>
+              <a:rPr lang="en-IN" sz="1200" dirty="0"/>
+              <a:t>      </a:t>
+            </a:r>
+            <a:r>
+              <a:rPr lang="en-IN" sz="1200" dirty="0" smtClean="0"/>
+              <a:t>	"</a:t>
+            </a:r>
+            <a:r>
+              <a:rPr lang="en-IN" sz="1200" dirty="0" err="1"/>
+              <a:t>AlarmActions</a:t>
+            </a:r>
+            <a:r>
+              <a:rPr lang="en-IN" sz="1200" dirty="0"/>
+              <a:t>" : [ String, ... ],</a:t>
+            </a:r>
+          </a:p>
+          <a:p>
+            <a:pPr marL="0" indent="0">
+              <a:buNone/>
+            </a:pPr>
+            <a:r>
+              <a:rPr lang="en-IN" sz="1200" dirty="0"/>
+              <a:t>     </a:t>
+            </a:r>
+            <a:r>
+              <a:rPr lang="en-IN" sz="1200" dirty="0" smtClean="0"/>
+              <a:t>	 </a:t>
+            </a:r>
+            <a:r>
+              <a:rPr lang="en-IN" sz="1200" dirty="0"/>
+              <a:t>"</a:t>
+            </a:r>
+            <a:r>
+              <a:rPr lang="en-IN" sz="1200" dirty="0" err="1"/>
+              <a:t>AlarmDescription</a:t>
+            </a:r>
+            <a:r>
+              <a:rPr lang="en-IN" sz="1200" dirty="0"/>
+              <a:t>" : String,</a:t>
+            </a:r>
+          </a:p>
+          <a:p>
+            <a:pPr marL="0" indent="0">
+              <a:buNone/>
+            </a:pPr>
+            <a:r>
+              <a:rPr lang="en-IN" sz="1200" dirty="0"/>
+              <a:t>     </a:t>
+            </a:r>
+            <a:r>
+              <a:rPr lang="en-IN" sz="1200" dirty="0" smtClean="0"/>
+              <a:t>	 </a:t>
+            </a:r>
+            <a:r>
+              <a:rPr lang="en-IN" sz="1200" dirty="0"/>
+              <a:t>"</a:t>
+            </a:r>
+            <a:r>
+              <a:rPr lang="en-IN" sz="1200" dirty="0" err="1">
+                <a:solidFill>
+                  <a:srgbClr val="FF00FF"/>
+                </a:solidFill>
+              </a:rPr>
+              <a:t>AlarmName</a:t>
+            </a:r>
+            <a:r>
+              <a:rPr lang="en-IN" sz="1200" dirty="0"/>
+              <a:t>" : String,</a:t>
+            </a:r>
+          </a:p>
+          <a:p>
+            <a:pPr marL="0" indent="0">
+              <a:buNone/>
+            </a:pPr>
+            <a:r>
+              <a:rPr lang="en-IN" sz="1200" dirty="0"/>
+              <a:t>     </a:t>
+            </a:r>
+            <a:r>
+              <a:rPr lang="en-IN" sz="1200" dirty="0" smtClean="0"/>
+              <a:t>	 </a:t>
+            </a:r>
+            <a:r>
+              <a:rPr lang="en-IN" sz="1200" dirty="0"/>
+              <a:t>"</a:t>
+            </a:r>
+            <a:r>
+              <a:rPr lang="en-IN" sz="1200" dirty="0" err="1"/>
+              <a:t>ComparisonOperator</a:t>
+            </a:r>
+            <a:r>
+              <a:rPr lang="en-IN" sz="1200" dirty="0"/>
+              <a:t>" : String,</a:t>
+            </a:r>
+          </a:p>
+          <a:p>
+            <a:pPr marL="0" indent="0">
+              <a:buNone/>
+            </a:pPr>
+            <a:r>
+              <a:rPr lang="en-IN" sz="1200" dirty="0"/>
+              <a:t>      </a:t>
+            </a:r>
+            <a:r>
+              <a:rPr lang="en-IN" sz="1200" dirty="0" smtClean="0"/>
+              <a:t>	"</a:t>
+            </a:r>
+            <a:r>
+              <a:rPr lang="en-IN" sz="1200" dirty="0" err="1"/>
+              <a:t>DatapointsToAlarm</a:t>
+            </a:r>
+            <a:r>
+              <a:rPr lang="en-IN" sz="1200" dirty="0"/>
+              <a:t>" : Integer,</a:t>
+            </a:r>
+          </a:p>
+          <a:p>
+            <a:pPr marL="0" indent="0">
+              <a:buNone/>
+            </a:pPr>
+            <a:r>
+              <a:rPr lang="en-IN" sz="1200" dirty="0"/>
+              <a:t>    </a:t>
+            </a:r>
+            <a:r>
+              <a:rPr lang="en-IN" sz="1200" dirty="0" smtClean="0"/>
+              <a:t>	  </a:t>
+            </a:r>
+            <a:r>
+              <a:rPr lang="en-IN" sz="1200" dirty="0"/>
+              <a:t>"</a:t>
+            </a:r>
+            <a:r>
+              <a:rPr lang="en-IN" sz="1200" dirty="0">
+                <a:solidFill>
+                  <a:srgbClr val="FF00FF"/>
+                </a:solidFill>
+              </a:rPr>
+              <a:t>Dimensions</a:t>
+            </a:r>
+            <a:r>
+              <a:rPr lang="en-IN" sz="1200" dirty="0"/>
+              <a:t>" : [ Dimension, ... ],</a:t>
+            </a:r>
+          </a:p>
+          <a:p>
+            <a:pPr marL="0" indent="0">
+              <a:buNone/>
+            </a:pPr>
+            <a:r>
+              <a:rPr lang="en-IN" sz="1200" dirty="0"/>
+              <a:t>      </a:t>
+            </a:r>
+            <a:r>
+              <a:rPr lang="en-IN" sz="1200" dirty="0" smtClean="0"/>
+              <a:t>	"</a:t>
+            </a:r>
+            <a:r>
+              <a:rPr lang="en-IN" sz="1200" dirty="0" err="1"/>
+              <a:t>EvaluateLowSampleCountPercentile</a:t>
+            </a:r>
+            <a:r>
+              <a:rPr lang="en-IN" sz="1200" dirty="0"/>
+              <a:t>" : String,</a:t>
+            </a:r>
+          </a:p>
+          <a:p>
+            <a:pPr marL="0" indent="0">
+              <a:buNone/>
+            </a:pPr>
+            <a:r>
+              <a:rPr lang="en-IN" sz="1200" dirty="0"/>
+              <a:t>     </a:t>
+            </a:r>
+            <a:r>
+              <a:rPr lang="en-IN" sz="1200" dirty="0" smtClean="0"/>
+              <a:t>	 </a:t>
+            </a:r>
+            <a:r>
+              <a:rPr lang="en-IN" sz="1200" dirty="0"/>
+              <a:t>"</a:t>
+            </a:r>
+            <a:r>
+              <a:rPr lang="en-IN" sz="1200" dirty="0" err="1">
+                <a:solidFill>
+                  <a:srgbClr val="FF00FF"/>
+                </a:solidFill>
+              </a:rPr>
+              <a:t>EvaluationPeriods</a:t>
+            </a:r>
+            <a:r>
+              <a:rPr lang="en-IN" sz="1200" dirty="0"/>
+              <a:t>" : Integer,</a:t>
+            </a:r>
+          </a:p>
+          <a:p>
+            <a:pPr marL="0" indent="0">
+              <a:buNone/>
+            </a:pPr>
+            <a:r>
+              <a:rPr lang="en-IN" sz="1200" dirty="0"/>
+              <a:t>     </a:t>
+            </a:r>
+            <a:r>
+              <a:rPr lang="en-IN" sz="1200" dirty="0" smtClean="0"/>
+              <a:t>	 </a:t>
+            </a:r>
+            <a:r>
+              <a:rPr lang="en-IN" sz="1200" dirty="0"/>
+              <a:t>"</a:t>
+            </a:r>
+            <a:r>
+              <a:rPr lang="en-IN" sz="1200" dirty="0" err="1"/>
+              <a:t>ExtendedStatistic</a:t>
+            </a:r>
+            <a:r>
+              <a:rPr lang="en-IN" sz="1200" dirty="0"/>
+              <a:t>" : String,</a:t>
+            </a:r>
+          </a:p>
+          <a:p>
+            <a:pPr marL="0" indent="0">
+              <a:buNone/>
+            </a:pPr>
+            <a:r>
+              <a:rPr lang="en-IN" sz="1200" dirty="0"/>
+              <a:t>      </a:t>
+            </a:r>
+            <a:r>
+              <a:rPr lang="en-IN" sz="1200" dirty="0" smtClean="0"/>
+              <a:t>	"</a:t>
+            </a:r>
+            <a:r>
+              <a:rPr lang="en-IN" sz="1200" dirty="0" err="1"/>
+              <a:t>InsufficientDataActions</a:t>
+            </a:r>
+            <a:r>
+              <a:rPr lang="en-IN" sz="1200" dirty="0"/>
+              <a:t>" : [ String, ... ],</a:t>
+            </a:r>
+          </a:p>
+          <a:p>
+            <a:pPr marL="0" indent="0">
+              <a:buNone/>
+            </a:pPr>
+            <a:r>
+              <a:rPr lang="en-IN" sz="1200" dirty="0"/>
+              <a:t>     </a:t>
+            </a:r>
+            <a:r>
+              <a:rPr lang="en-IN" sz="1200" dirty="0" smtClean="0"/>
+              <a:t>	 </a:t>
+            </a:r>
+            <a:r>
+              <a:rPr lang="en-IN" sz="1200" dirty="0"/>
+              <a:t>"</a:t>
+            </a:r>
+            <a:r>
+              <a:rPr lang="en-IN" sz="1200" dirty="0" err="1"/>
+              <a:t>MetricName</a:t>
+            </a:r>
+            <a:r>
+              <a:rPr lang="en-IN" sz="1200" dirty="0"/>
+              <a:t>" : String,</a:t>
+            </a:r>
+          </a:p>
+          <a:p>
+            <a:pPr marL="0" indent="0">
+              <a:buNone/>
+            </a:pPr>
+            <a:r>
+              <a:rPr lang="en-IN" sz="1200" dirty="0"/>
+              <a:t>     </a:t>
+            </a:r>
+            <a:r>
+              <a:rPr lang="en-IN" sz="1200" dirty="0" smtClean="0"/>
+              <a:t>	 </a:t>
+            </a:r>
+            <a:r>
+              <a:rPr lang="en-IN" sz="1200" dirty="0"/>
+              <a:t>"Metrics" : [ </a:t>
+            </a:r>
+            <a:r>
+              <a:rPr lang="en-IN" sz="1200" dirty="0" err="1"/>
+              <a:t>MetricDataQuery</a:t>
+            </a:r>
+            <a:r>
+              <a:rPr lang="en-IN" sz="1200" dirty="0"/>
+              <a:t>, ... ],</a:t>
+            </a:r>
+          </a:p>
+          <a:p>
+            <a:pPr marL="0" indent="0">
+              <a:buNone/>
+            </a:pPr>
+            <a:r>
+              <a:rPr lang="en-IN" sz="1200" dirty="0"/>
+              <a:t>     </a:t>
+            </a:r>
+            <a:r>
+              <a:rPr lang="en-IN" sz="1200" dirty="0" smtClean="0"/>
+              <a:t>	 </a:t>
+            </a:r>
+            <a:r>
+              <a:rPr lang="en-IN" sz="1200" dirty="0"/>
+              <a:t>"Namespace" : String,</a:t>
+            </a:r>
+          </a:p>
+          <a:p>
+            <a:pPr marL="0" indent="0">
+              <a:buNone/>
+            </a:pPr>
+            <a:r>
+              <a:rPr lang="en-IN" sz="1200" dirty="0"/>
+              <a:t>      </a:t>
+            </a:r>
+            <a:r>
+              <a:rPr lang="en-IN" sz="1200" dirty="0" smtClean="0"/>
+              <a:t>	"</a:t>
+            </a:r>
+            <a:r>
+              <a:rPr lang="en-IN" sz="1200" dirty="0" err="1"/>
+              <a:t>OKActions</a:t>
+            </a:r>
+            <a:r>
+              <a:rPr lang="en-IN" sz="1200" dirty="0"/>
+              <a:t>" : [ String, ... ],</a:t>
+            </a:r>
+          </a:p>
+          <a:p>
+            <a:pPr marL="0" indent="0">
+              <a:buNone/>
+            </a:pPr>
+            <a:r>
+              <a:rPr lang="en-IN" sz="1200" dirty="0"/>
+              <a:t>      </a:t>
+            </a:r>
+            <a:r>
+              <a:rPr lang="en-IN" sz="1200" dirty="0" smtClean="0"/>
+              <a:t>	"</a:t>
+            </a:r>
+            <a:r>
+              <a:rPr lang="en-IN" sz="1200" dirty="0">
+                <a:solidFill>
+                  <a:srgbClr val="FF00FF"/>
+                </a:solidFill>
+              </a:rPr>
+              <a:t>Period</a:t>
+            </a:r>
+            <a:r>
+              <a:rPr lang="en-IN" sz="1200" dirty="0"/>
+              <a:t>" : Integer,</a:t>
+            </a:r>
+          </a:p>
+          <a:p>
+            <a:pPr marL="0" indent="0">
+              <a:buNone/>
+            </a:pPr>
+            <a:r>
+              <a:rPr lang="en-IN" sz="1200" dirty="0"/>
+              <a:t>     </a:t>
+            </a:r>
+            <a:r>
+              <a:rPr lang="en-IN" sz="1200" dirty="0" smtClean="0"/>
+              <a:t>	 </a:t>
+            </a:r>
+            <a:r>
+              <a:rPr lang="en-IN" sz="1200" dirty="0"/>
+              <a:t>"Statistic" : String,</a:t>
+            </a:r>
+          </a:p>
+          <a:p>
+            <a:pPr marL="0" indent="0">
+              <a:buNone/>
+            </a:pPr>
+            <a:r>
+              <a:rPr lang="en-IN" sz="1200" dirty="0"/>
+              <a:t>      </a:t>
+            </a:r>
+            <a:r>
+              <a:rPr lang="en-IN" sz="1200" dirty="0" smtClean="0"/>
+              <a:t>	"</a:t>
+            </a:r>
+            <a:r>
+              <a:rPr lang="en-IN" sz="1200" dirty="0"/>
+              <a:t>Threshold" : Double,</a:t>
+            </a:r>
+          </a:p>
+          <a:p>
+            <a:pPr marL="0" indent="0">
+              <a:buNone/>
+            </a:pPr>
+            <a:r>
+              <a:rPr lang="en-IN" sz="1200" dirty="0"/>
+              <a:t>     </a:t>
+            </a:r>
+            <a:r>
+              <a:rPr lang="en-IN" sz="1200" dirty="0" smtClean="0"/>
+              <a:t>	 </a:t>
+            </a:r>
+            <a:r>
+              <a:rPr lang="en-IN" sz="1200" dirty="0"/>
+              <a:t>"</a:t>
+            </a:r>
+            <a:r>
+              <a:rPr lang="en-IN" sz="1200" dirty="0" err="1"/>
+              <a:t>ThresholdMetricId</a:t>
+            </a:r>
+            <a:r>
+              <a:rPr lang="en-IN" sz="1200" dirty="0"/>
+              <a:t>" : String,</a:t>
+            </a:r>
+          </a:p>
+          <a:p>
+            <a:pPr marL="0" indent="0">
+              <a:buNone/>
+            </a:pPr>
+            <a:r>
+              <a:rPr lang="en-IN" sz="1200" dirty="0"/>
+              <a:t>      </a:t>
+            </a:r>
+            <a:r>
+              <a:rPr lang="en-IN" sz="1200" dirty="0" smtClean="0"/>
+              <a:t>	"</a:t>
+            </a:r>
+            <a:r>
+              <a:rPr lang="en-IN" sz="1200" dirty="0" err="1"/>
+              <a:t>TreatMissingData</a:t>
+            </a:r>
+            <a:r>
+              <a:rPr lang="en-IN" sz="1200" dirty="0"/>
+              <a:t>" : String,</a:t>
+            </a:r>
+          </a:p>
+          <a:p>
+            <a:pPr marL="0" indent="0">
+              <a:buNone/>
+            </a:pPr>
+            <a:r>
+              <a:rPr lang="en-IN" sz="1200" dirty="0"/>
+              <a:t>     </a:t>
+            </a:r>
+            <a:r>
+              <a:rPr lang="en-IN" sz="1200" dirty="0" smtClean="0"/>
+              <a:t>	 </a:t>
+            </a:r>
+            <a:r>
+              <a:rPr lang="en-IN" sz="1200" dirty="0"/>
+              <a:t>"Unit" : String</a:t>
+            </a:r>
+          </a:p>
+          <a:p>
+            <a:pPr marL="0" indent="0">
+              <a:buNone/>
+            </a:pPr>
+            <a:r>
+              <a:rPr lang="en-IN" sz="1200" dirty="0"/>
+              <a:t>   </a:t>
+            </a:r>
+            <a:r>
+              <a:rPr lang="en-IN" sz="1200" dirty="0" smtClean="0"/>
+              <a:t>	 </a:t>
+            </a:r>
+            <a:r>
+              <a:rPr lang="en-IN" sz="1200" dirty="0"/>
+              <a:t>}</a:t>
+            </a:r>
+          </a:p>
+          <a:p>
+            <a:pPr marL="0" indent="0">
+              <a:buNone/>
+            </a:pPr>
+            <a:r>
+              <a:rPr lang="en-IN" sz="1200" dirty="0" smtClean="0"/>
+              <a:t>	}</a:t>
+            </a:r>
+            <a:endParaRPr lang="en-IN" sz="1200" dirty="0"/>
+          </a:p>
+          <a:p>
+            <a:endParaRPr lang="en-IN" dirty="0"/>
+          </a:p>
+          <a:p>
+            <a:endParaRPr lang="en-IN" dirty="0"/>
+          </a:p>
+        </p:txBody>
+      </p:sp>
+    </p:spTree>
+    <p:extLst>
+      <p:ext uri="{BB962C8B-B14F-4D97-AF65-F5344CB8AC3E}">
+        <p14:creationId xmlns:p14="http://schemas.microsoft.com/office/powerpoint/2010/main" val="2971764170"/>
+      </p:ext>
+    </p:extLst>
+  </p:cSld>
+  <p:clrMapOvr>
+    <a:masterClrMapping/>
+  </p:clrMapOvr>
+  <p:timing>
+    <p:tnLst>
+      <p:par>
+        <p:cTn id="1" dur="indefinite" restart="never" nodeType="tmRoot"/>
+      </p:par>
+    </p:tnLst>
+  </p:timing>
+</p:sld>
+</file>
+
+<file path=ppt/slides/slide19.xml><?xml version="1.0" encoding="utf-8"?>
+<p:sld xmlns:a="http://schemas.openxmlformats.org/drawingml/2006/main" xmlns:r="http://schemas.openxmlformats.org/officeDocument/2006/relationships" xmlns:p="http://schemas.openxmlformats.org/presentationml/2006/main">
+  <p:cSld>
+    <p:spTree>
+      <p:nvGrpSpPr>
+        <p:cNvPr id="1" name=""/>
+        <p:cNvGrpSpPr/>
+        <p:nvPr/>
+      </p:nvGrpSpPr>
+      <p:grpSpPr>
+        <a:xfrm>
+          <a:off x="0" y="0"/>
+          <a:ext cx="0" cy="0"/>
+          <a:chOff x="0" y="0"/>
+          <a:chExt cx="0" cy="0"/>
+        </a:xfrm>
+      </p:grpSpPr>
+      <p:sp>
+        <p:nvSpPr>
+          <p:cNvPr id="3" name="Content Placeholder 2"/>
+          <p:cNvSpPr>
+            <a:spLocks noGrp="1"/>
+          </p:cNvSpPr>
+          <p:nvPr>
+            <p:ph idx="1"/>
+          </p:nvPr>
+        </p:nvSpPr>
+        <p:spPr>
+          <a:xfrm>
+            <a:off x="1352152" y="260648"/>
+            <a:ext cx="7772400" cy="6436096"/>
+          </a:xfrm>
+        </p:spPr>
+        <p:txBody>
+          <a:bodyPr/>
+          <a:lstStyle/>
+          <a:p>
+            <a:r>
+              <a:rPr lang="en-IN" sz="1600" dirty="0"/>
+              <a:t>"</a:t>
+            </a:r>
+            <a:r>
+              <a:rPr lang="en-IN" sz="1800" dirty="0" err="1"/>
+              <a:t>SimpleConfig</a:t>
+            </a:r>
+            <a:r>
+              <a:rPr lang="en-IN" sz="1800" dirty="0"/>
+              <a:t>" : </a:t>
+            </a:r>
+            <a:endParaRPr lang="en-IN" sz="1800" dirty="0" smtClean="0"/>
+          </a:p>
+          <a:p>
+            <a:pPr marL="0" indent="0">
+              <a:buNone/>
+            </a:pPr>
+            <a:r>
+              <a:rPr lang="en-IN" sz="1600" dirty="0" smtClean="0"/>
+              <a:t>	{</a:t>
+            </a:r>
+            <a:endParaRPr lang="en-IN" sz="1600" dirty="0"/>
+          </a:p>
+          <a:p>
+            <a:pPr marL="0" indent="0">
+              <a:buNone/>
+            </a:pPr>
+            <a:r>
+              <a:rPr lang="en-IN" sz="1400" dirty="0" smtClean="0"/>
+              <a:t>	"</a:t>
+            </a:r>
+            <a:r>
+              <a:rPr lang="en-IN" sz="1400" dirty="0"/>
+              <a:t>Type" : "AWS::</a:t>
+            </a:r>
+            <a:r>
+              <a:rPr lang="en-IN" sz="1400" dirty="0" err="1"/>
+              <a:t>AutoScaling</a:t>
+            </a:r>
+            <a:r>
+              <a:rPr lang="en-IN" sz="1400" dirty="0"/>
+              <a:t>::</a:t>
+            </a:r>
+            <a:r>
+              <a:rPr lang="en-IN" sz="1400" dirty="0" err="1"/>
+              <a:t>LaunchConfiguration</a:t>
+            </a:r>
+            <a:r>
+              <a:rPr lang="en-IN" sz="1400" dirty="0"/>
+              <a:t>",</a:t>
+            </a:r>
+          </a:p>
+          <a:p>
+            <a:pPr marL="0" indent="0">
+              <a:buNone/>
+            </a:pPr>
+            <a:r>
+              <a:rPr lang="en-IN" sz="1400" dirty="0" smtClean="0"/>
+              <a:t>	API </a:t>
+            </a:r>
+            <a:r>
+              <a:rPr lang="en-IN" sz="1400" dirty="0"/>
+              <a:t>Version 2010-05-15</a:t>
+            </a:r>
+          </a:p>
+          <a:p>
+            <a:pPr marL="0" indent="0">
+              <a:buNone/>
+            </a:pPr>
+            <a:r>
+              <a:rPr lang="en-IN" sz="1400" dirty="0" smtClean="0"/>
+              <a:t>	367</a:t>
+            </a:r>
+            <a:endParaRPr lang="en-IN" sz="1400" dirty="0"/>
+          </a:p>
+          <a:p>
+            <a:pPr marL="0" indent="0">
+              <a:buNone/>
+            </a:pPr>
+            <a:r>
+              <a:rPr lang="en-IN" sz="1400" dirty="0" smtClean="0"/>
+              <a:t>	AWS </a:t>
+            </a:r>
+            <a:r>
+              <a:rPr lang="en-IN" sz="1400" dirty="0" err="1"/>
+              <a:t>CloudFormation</a:t>
+            </a:r>
+            <a:r>
+              <a:rPr lang="en-IN" sz="1400" dirty="0"/>
+              <a:t> User Guide</a:t>
+            </a:r>
+          </a:p>
+          <a:p>
+            <a:pPr marL="0" indent="0">
+              <a:buNone/>
+            </a:pPr>
+            <a:r>
+              <a:rPr lang="en-IN" sz="1400" dirty="0" smtClean="0"/>
+              <a:t>	Auto </a:t>
+            </a:r>
+            <a:r>
+              <a:rPr lang="en-IN" sz="1400" dirty="0"/>
+              <a:t>Scaling</a:t>
+            </a:r>
+          </a:p>
+          <a:p>
+            <a:pPr marL="0" indent="0">
+              <a:buNone/>
+            </a:pPr>
+            <a:r>
+              <a:rPr lang="en-IN" sz="1400" dirty="0" smtClean="0"/>
+              <a:t>	"</a:t>
+            </a:r>
+            <a:r>
+              <a:rPr lang="en-IN" sz="1400" dirty="0"/>
+              <a:t>Properties" : {</a:t>
+            </a:r>
+          </a:p>
+          <a:p>
+            <a:pPr marL="0" indent="0">
+              <a:buNone/>
+            </a:pPr>
+            <a:r>
+              <a:rPr lang="en-IN" sz="1400" dirty="0" smtClean="0"/>
+              <a:t>	"</a:t>
+            </a:r>
+            <a:r>
+              <a:rPr lang="en-IN" sz="1400" dirty="0" err="1"/>
+              <a:t>ImageId</a:t>
+            </a:r>
+            <a:r>
+              <a:rPr lang="en-IN" sz="1400" dirty="0"/>
+              <a:t>" : "ami-0ff8a91507f77f867",</a:t>
+            </a:r>
+          </a:p>
+          <a:p>
+            <a:pPr marL="0" indent="0">
+              <a:buNone/>
+            </a:pPr>
+            <a:r>
+              <a:rPr lang="en-IN" sz="1400" dirty="0" smtClean="0"/>
+              <a:t>	"</a:t>
+            </a:r>
+            <a:r>
+              <a:rPr lang="en-IN" sz="1400" dirty="0" err="1"/>
+              <a:t>SecurityGroups</a:t>
+            </a:r>
+            <a:r>
+              <a:rPr lang="en-IN" sz="1400" dirty="0"/>
+              <a:t>" : [ { "Ref" : "myEC2SecurityGroup" </a:t>
+            </a:r>
+            <a:r>
+              <a:rPr lang="en-IN" sz="1400" dirty="0" smtClean="0"/>
+              <a:t>},"myExistingEC2SecurityGroup" ],</a:t>
+            </a:r>
+          </a:p>
+          <a:p>
+            <a:pPr marL="0" indent="0">
+              <a:buNone/>
+            </a:pPr>
+            <a:r>
+              <a:rPr lang="en-IN" sz="1400" dirty="0" smtClean="0"/>
+              <a:t>	"</a:t>
+            </a:r>
+            <a:r>
+              <a:rPr lang="en-IN" sz="1400" dirty="0" err="1"/>
+              <a:t>InstanceType</a:t>
+            </a:r>
+            <a:r>
+              <a:rPr lang="en-IN" sz="1400" dirty="0"/>
+              <a:t>" : "m1.small",</a:t>
+            </a:r>
+          </a:p>
+          <a:p>
+            <a:pPr marL="0" indent="0">
+              <a:buNone/>
+            </a:pPr>
+            <a:r>
+              <a:rPr lang="en-IN" sz="1400" dirty="0" smtClean="0"/>
+              <a:t>	"</a:t>
+            </a:r>
+            <a:r>
+              <a:rPr lang="en-IN" sz="1400" dirty="0" err="1"/>
+              <a:t>BlockDeviceMappings</a:t>
+            </a:r>
+            <a:r>
+              <a:rPr lang="en-IN" sz="1400" dirty="0"/>
+              <a:t>" : [ </a:t>
+            </a:r>
+            <a:endParaRPr lang="en-IN" sz="1400" dirty="0" smtClean="0"/>
+          </a:p>
+          <a:p>
+            <a:pPr marL="0" indent="0">
+              <a:buNone/>
+            </a:pPr>
+            <a:r>
+              <a:rPr lang="en-IN" sz="1400" dirty="0"/>
+              <a:t> </a:t>
+            </a:r>
+            <a:r>
+              <a:rPr lang="en-IN" sz="1400" dirty="0" smtClean="0"/>
+              <a:t>                			  {"</a:t>
+            </a:r>
+            <a:r>
+              <a:rPr lang="en-IN" sz="1400" dirty="0" err="1"/>
+              <a:t>DeviceName</a:t>
+            </a:r>
+            <a:r>
+              <a:rPr lang="en-IN" sz="1400" dirty="0"/>
+              <a:t>" : "/</a:t>
+            </a:r>
+            <a:r>
+              <a:rPr lang="en-IN" sz="1400" dirty="0" err="1"/>
+              <a:t>dev</a:t>
+            </a:r>
+            <a:r>
+              <a:rPr lang="en-IN" sz="1400" dirty="0"/>
+              <a:t>/</a:t>
+            </a:r>
+            <a:r>
+              <a:rPr lang="en-IN" sz="1400" dirty="0" err="1"/>
+              <a:t>sdk</a:t>
+            </a:r>
+            <a:r>
+              <a:rPr lang="en-IN" sz="1400" dirty="0" smtClean="0"/>
+              <a:t>","</a:t>
+            </a:r>
+            <a:r>
+              <a:rPr lang="en-IN" sz="1400" dirty="0" err="1"/>
+              <a:t>Ebs</a:t>
+            </a:r>
+            <a:r>
+              <a:rPr lang="en-IN" sz="1400" dirty="0"/>
+              <a:t>" : {"</a:t>
+            </a:r>
+            <a:r>
+              <a:rPr lang="en-IN" sz="1400" dirty="0" err="1"/>
+              <a:t>VolumeSize</a:t>
+            </a:r>
+            <a:r>
+              <a:rPr lang="en-IN" sz="1400" dirty="0"/>
+              <a:t>" : "50</a:t>
+            </a:r>
+            <a:r>
+              <a:rPr lang="en-IN" sz="1400" dirty="0" smtClean="0"/>
+              <a:t>"}}, </a:t>
+            </a:r>
+          </a:p>
+          <a:p>
+            <a:pPr marL="0" indent="0">
+              <a:buNone/>
+            </a:pPr>
+            <a:r>
+              <a:rPr lang="en-IN" sz="1400" dirty="0" smtClean="0"/>
+              <a:t>                			  {"</a:t>
+            </a:r>
+            <a:r>
+              <a:rPr lang="en-IN" sz="1400" dirty="0" err="1"/>
+              <a:t>DeviceName</a:t>
+            </a:r>
+            <a:r>
+              <a:rPr lang="en-IN" sz="1400" dirty="0"/>
+              <a:t>" : "/</a:t>
+            </a:r>
+            <a:r>
+              <a:rPr lang="en-IN" sz="1400" dirty="0" err="1"/>
+              <a:t>dev</a:t>
+            </a:r>
+            <a:r>
+              <a:rPr lang="en-IN" sz="1400" dirty="0"/>
+              <a:t>/</a:t>
+            </a:r>
+            <a:r>
+              <a:rPr lang="en-IN" sz="1400" dirty="0" err="1"/>
+              <a:t>sdc</a:t>
+            </a:r>
+            <a:r>
+              <a:rPr lang="en-IN" sz="1400" dirty="0" smtClean="0"/>
+              <a:t>","</a:t>
+            </a:r>
+            <a:r>
+              <a:rPr lang="en-IN" sz="1400" dirty="0" err="1"/>
+              <a:t>VirtualName</a:t>
+            </a:r>
+            <a:r>
+              <a:rPr lang="en-IN" sz="1400" dirty="0"/>
+              <a:t>" : "ephemeral0</a:t>
+            </a:r>
+            <a:r>
+              <a:rPr lang="en-IN" sz="1400" dirty="0" smtClean="0"/>
+              <a:t>"</a:t>
+            </a:r>
+            <a:r>
+              <a:rPr lang="en-IN" sz="1600" dirty="0" smtClean="0"/>
+              <a:t>} </a:t>
+            </a:r>
+          </a:p>
+          <a:p>
+            <a:pPr marL="0" indent="0">
+              <a:buNone/>
+            </a:pPr>
+            <a:r>
+              <a:rPr lang="en-IN" sz="1600" dirty="0" smtClean="0"/>
+              <a:t>                                      	]</a:t>
+            </a:r>
+            <a:endParaRPr lang="en-IN" sz="1600" dirty="0"/>
+          </a:p>
+          <a:p>
+            <a:pPr marL="0" indent="0">
+              <a:buNone/>
+            </a:pPr>
+            <a:r>
+              <a:rPr lang="en-IN" sz="1600" dirty="0" smtClean="0"/>
+              <a:t>	}</a:t>
+            </a:r>
+            <a:endParaRPr lang="en-IN" sz="1600" dirty="0"/>
+          </a:p>
+          <a:p>
+            <a:pPr marL="0" indent="0">
+              <a:buNone/>
+            </a:pPr>
+            <a:r>
+              <a:rPr lang="en-IN" sz="1600" dirty="0" smtClean="0"/>
+              <a:t>	}</a:t>
+            </a:r>
+            <a:endParaRPr lang="en-IN" sz="1600" dirty="0"/>
+          </a:p>
+        </p:txBody>
+      </p:sp>
+    </p:spTree>
+    <p:extLst>
+      <p:ext uri="{BB962C8B-B14F-4D97-AF65-F5344CB8AC3E}">
+        <p14:creationId xmlns:p14="http://schemas.microsoft.com/office/powerpoint/2010/main" val="1431016022"/>
+      </p:ext>
+    </p:extLst>
+  </p:cSld>
+  <p:clrMapOvr>
+    <a:masterClrMapping/>
+  </p:clrMapOvr>
+  <p:timing>
+    <p:tnLst>
+      <p:par>
+        <p:cTn id="1" dur="indefinite" restart="never" nodeType="tmRoot"/>
+      </p:par>
+    </p:tnLst>
+  </p:timing>
 </p:sld>
 </file>
 
 <file path=ppt/slides/slide2.xml><?xml version="1.0" encoding="utf-8"?>
+<p:sld xmlns:a="http://schemas.openxmlformats.org/drawingml/2006/main" xmlns:r="http://schemas.openxmlformats.org/officeDocument/2006/relationships" xmlns:p="http://schemas.openxmlformats.org/presentationml/2006/main">
+  <p:cSld>
+    <p:spTree>
+      <p:nvGrpSpPr>
+        <p:cNvPr id="1" name=""/>
+        <p:cNvGrpSpPr/>
+        <p:nvPr/>
+      </p:nvGrpSpPr>
+      <p:grpSpPr>
+        <a:xfrm>
+          <a:off x="0" y="0"/>
+          <a:ext cx="0" cy="0"/>
+          <a:chOff x="0" y="0"/>
+          <a:chExt cx="0" cy="0"/>
+        </a:xfrm>
+      </p:grpSpPr>
+      <p:sp>
+        <p:nvSpPr>
+          <p:cNvPr id="3" name="Content Placeholder 2"/>
+          <p:cNvSpPr>
+            <a:spLocks noGrp="1"/>
+          </p:cNvSpPr>
+          <p:nvPr>
+            <p:ph idx="1"/>
+          </p:nvPr>
+        </p:nvSpPr>
+        <p:spPr>
+          <a:xfrm>
+            <a:off x="1356736" y="1124744"/>
+            <a:ext cx="7772400" cy="4248472"/>
+          </a:xfrm>
+        </p:spPr>
+        <p:txBody>
+          <a:bodyPr/>
+          <a:lstStyle/>
+          <a:p>
+            <a:r>
+              <a:rPr lang="en-IN" sz="4000" dirty="0" smtClean="0"/>
+              <a:t>CFT Template </a:t>
+            </a:r>
+            <a:r>
+              <a:rPr lang="en-IN" sz="4000" dirty="0"/>
+              <a:t>Formats</a:t>
+            </a:r>
+          </a:p>
+          <a:p>
+            <a:r>
+              <a:rPr lang="en-IN" sz="4000" dirty="0" smtClean="0"/>
+              <a:t>CFT Template </a:t>
+            </a:r>
+            <a:r>
+              <a:rPr lang="en-IN" sz="4000" dirty="0" smtClean="0"/>
+              <a:t>Anatomy</a:t>
+            </a:r>
+          </a:p>
+          <a:p>
+            <a:r>
+              <a:rPr lang="en-IN" sz="4000" dirty="0" smtClean="0"/>
+              <a:t>Walkthroughs</a:t>
+            </a:r>
+          </a:p>
+          <a:p>
+            <a:r>
+              <a:rPr lang="en-IN" sz="4000" dirty="0" smtClean="0"/>
+              <a:t>FQA</a:t>
+            </a:r>
+          </a:p>
+          <a:p>
+            <a:r>
+              <a:rPr lang="en-IN" sz="4000" dirty="0" smtClean="0"/>
+              <a:t>Thank You </a:t>
+            </a:r>
+            <a:endParaRPr lang="en-IN" sz="4000" dirty="0"/>
+          </a:p>
+          <a:p>
+            <a:endParaRPr lang="en-IN" dirty="0"/>
+          </a:p>
+          <a:p>
+            <a:endParaRPr lang="en-IN" dirty="0"/>
+          </a:p>
+        </p:txBody>
+      </p:sp>
+    </p:spTree>
+    <p:extLst>
+      <p:ext uri="{BB962C8B-B14F-4D97-AF65-F5344CB8AC3E}">
+        <p14:creationId xmlns:p14="http://schemas.microsoft.com/office/powerpoint/2010/main" val="1034695657"/>
+      </p:ext>
+    </p:extLst>
+  </p:cSld>
+  <p:clrMapOvr>
+    <a:masterClrMapping/>
+  </p:clrMapOvr>
+  <p:timing>
+    <p:tnLst>
+      <p:par>
+        <p:cTn id="1" dur="indefinite" restart="never" nodeType="tmRoot"/>
+      </p:par>
+    </p:tnLst>
+  </p:timing>
+</p:sld>
+</file>
+
+<file path=ppt/slides/slide20.xml><?xml version="1.0" encoding="utf-8"?>
 <p:sld xmlns:a="http://schemas.openxmlformats.org/drawingml/2006/main" xmlns:r="http://schemas.openxmlformats.org/officeDocument/2006/relationships" xmlns:p="http://schemas.openxmlformats.org/presentationml/2006/main">
   <p:cSld>
     <p:spTree>
@@ -6322,12 +9025,21 @@
             <p:ph type="title"/>
           </p:nvPr>
         </p:nvSpPr>
-        <p:spPr/>
+        <p:spPr>
+          <a:xfrm>
+            <a:off x="1259632" y="27472"/>
+            <a:ext cx="7772400" cy="665224"/>
+          </a:xfrm>
+        </p:spPr>
         <p:txBody>
           <a:bodyPr/>
           <a:lstStyle/>
           <a:p>
-            <a:endParaRPr lang="en-IN"/>
+            <a:r>
+              <a:rPr lang="en-IN" dirty="0" smtClean="0"/>
+              <a:t>Outputs</a:t>
+            </a:r>
+            <a:endParaRPr lang="en-IN" dirty="0"/>
           </a:p>
         </p:txBody>
       </p:sp>
@@ -6341,40 +9053,426 @@
             <p:ph idx="1"/>
           </p:nvPr>
         </p:nvSpPr>
-        <p:spPr/>
+        <p:spPr>
+          <a:xfrm>
+            <a:off x="1259632" y="692696"/>
+            <a:ext cx="7772400" cy="6165304"/>
+          </a:xfrm>
+        </p:spPr>
         <p:txBody>
           <a:bodyPr/>
           <a:lstStyle/>
           <a:p>
             <a:r>
-              <a:rPr lang="en-IN" dirty="0"/>
-              <a:t>Template Formats</a:t>
-            </a:r>
-          </a:p>
-          <a:p>
-            <a:r>
-              <a:rPr lang="en-IN" dirty="0" smtClean="0"/>
-              <a:t>Template Anatomy</a:t>
-            </a:r>
-          </a:p>
-          <a:p>
-            <a:r>
-              <a:rPr lang="en-IN" dirty="0"/>
-              <a:t>Walkthroughs</a:t>
-            </a:r>
-          </a:p>
-          <a:p>
-            <a:endParaRPr lang="en-IN" dirty="0"/>
-          </a:p>
-          <a:p>
-            <a:endParaRPr lang="en-IN" dirty="0"/>
+              <a:rPr lang="en-IN" sz="2600" dirty="0"/>
+              <a:t>output values that you can import into other </a:t>
+            </a:r>
+            <a:r>
+              <a:rPr lang="en-IN" sz="2600" dirty="0" smtClean="0"/>
+              <a:t>stacks</a:t>
+            </a:r>
+          </a:p>
+          <a:p>
+            <a:r>
+              <a:rPr lang="en-IN" sz="2600" dirty="0"/>
+              <a:t> </a:t>
+            </a:r>
+            <a:r>
+              <a:rPr lang="en-IN" sz="2600" dirty="0" smtClean="0"/>
+              <a:t>Maximum </a:t>
+            </a:r>
+            <a:r>
+              <a:rPr lang="en-IN" sz="2600" dirty="0"/>
+              <a:t>of 60 outputs </a:t>
+            </a:r>
+            <a:r>
+              <a:rPr lang="en-IN" sz="2600" dirty="0" smtClean="0"/>
+              <a:t>can declare in </a:t>
+            </a:r>
+            <a:r>
+              <a:rPr lang="en-IN" sz="2600" dirty="0"/>
+              <a:t>a template</a:t>
+            </a:r>
+            <a:r>
+              <a:rPr lang="en-IN" sz="2600" dirty="0" smtClean="0"/>
+              <a:t>.</a:t>
+            </a:r>
+          </a:p>
+          <a:p>
+            <a:r>
+              <a:rPr lang="en-IN" sz="2600" dirty="0"/>
+              <a:t>Output Fields</a:t>
+            </a:r>
+          </a:p>
+          <a:p>
+            <a:pPr lvl="1">
+              <a:buFont typeface="Wingdings" panose="05000000000000000000" pitchFamily="2" charset="2"/>
+              <a:buChar char="v"/>
+            </a:pPr>
+            <a:r>
+              <a:rPr lang="en-IN" sz="1400" b="1" dirty="0"/>
+              <a:t>Logical </a:t>
+            </a:r>
+            <a:r>
+              <a:rPr lang="en-IN" sz="1400" b="1" dirty="0" smtClean="0"/>
+              <a:t>ID</a:t>
+            </a:r>
+          </a:p>
+          <a:p>
+            <a:pPr lvl="1">
+              <a:buFont typeface="Wingdings" panose="05000000000000000000" pitchFamily="2" charset="2"/>
+              <a:buChar char="v"/>
+            </a:pPr>
+            <a:r>
+              <a:rPr lang="en-IN" sz="1400" b="1" dirty="0" smtClean="0"/>
+              <a:t>Description </a:t>
+            </a:r>
+            <a:r>
+              <a:rPr lang="en-IN" sz="1400" b="1" dirty="0"/>
+              <a:t>(</a:t>
+            </a:r>
+            <a:r>
+              <a:rPr lang="en-IN" sz="1400" b="1" dirty="0" smtClean="0"/>
+              <a:t>optional)</a:t>
+            </a:r>
+          </a:p>
+          <a:p>
+            <a:pPr lvl="1">
+              <a:buFont typeface="Wingdings" panose="05000000000000000000" pitchFamily="2" charset="2"/>
+              <a:buChar char="v"/>
+            </a:pPr>
+            <a:r>
+              <a:rPr lang="en-IN" sz="1400" b="1" dirty="0" smtClean="0"/>
+              <a:t>Value </a:t>
+            </a:r>
+            <a:r>
+              <a:rPr lang="en-IN" sz="1400" b="1" dirty="0"/>
+              <a:t>(</a:t>
+            </a:r>
+            <a:r>
+              <a:rPr lang="en-IN" sz="1400" b="1" dirty="0" smtClean="0"/>
+              <a:t>required)</a:t>
+            </a:r>
+          </a:p>
+          <a:p>
+            <a:pPr lvl="1">
+              <a:buFont typeface="Wingdings" panose="05000000000000000000" pitchFamily="2" charset="2"/>
+              <a:buChar char="v"/>
+            </a:pPr>
+            <a:r>
+              <a:rPr lang="en-IN" sz="1400" b="1" dirty="0" smtClean="0"/>
+              <a:t>Export </a:t>
+            </a:r>
+            <a:r>
+              <a:rPr lang="en-IN" sz="1400" b="1" dirty="0"/>
+              <a:t>(optional</a:t>
+            </a:r>
+            <a:r>
+              <a:rPr lang="en-IN" sz="1400" b="1" dirty="0" smtClean="0"/>
+              <a:t>)</a:t>
+            </a:r>
+            <a:endParaRPr lang="en-IN" sz="1400" dirty="0"/>
+          </a:p>
+          <a:p>
+            <a:pPr marL="342900" lvl="1" indent="-342900">
+              <a:buClr>
+                <a:schemeClr val="accent2"/>
+              </a:buClr>
+              <a:buChar char="•"/>
+            </a:pPr>
+            <a:r>
+              <a:rPr lang="en-IN" sz="2600" dirty="0" smtClean="0">
+                <a:ea typeface="+mn-ea"/>
+                <a:cs typeface="+mn-cs"/>
+              </a:rPr>
+              <a:t>Sample</a:t>
+            </a:r>
+            <a:endParaRPr lang="en-IN" sz="2600" dirty="0">
+              <a:ea typeface="+mn-ea"/>
+              <a:cs typeface="+mn-cs"/>
+            </a:endParaRPr>
+          </a:p>
+          <a:p>
+            <a:pPr marL="457200" lvl="1" indent="0">
+              <a:buNone/>
+            </a:pPr>
+            <a:r>
+              <a:rPr lang="en-IN" sz="1600" dirty="0"/>
+              <a:t>"Outputs" : {</a:t>
+            </a:r>
+          </a:p>
+          <a:p>
+            <a:pPr marL="457200" lvl="1" indent="0">
+              <a:buNone/>
+            </a:pPr>
+            <a:r>
+              <a:rPr lang="en-IN" sz="1600" dirty="0"/>
+              <a:t>    "</a:t>
+            </a:r>
+            <a:r>
+              <a:rPr lang="en-IN" sz="1600" dirty="0" err="1"/>
+              <a:t>InstanceId</a:t>
+            </a:r>
+            <a:r>
+              <a:rPr lang="en-IN" sz="1600" dirty="0"/>
+              <a:t>" : {</a:t>
+            </a:r>
+          </a:p>
+          <a:p>
+            <a:pPr marL="457200" lvl="1" indent="0">
+              <a:buNone/>
+            </a:pPr>
+            <a:r>
+              <a:rPr lang="en-IN" sz="1600" dirty="0"/>
+              <a:t>      "Description" : "</a:t>
+            </a:r>
+            <a:r>
+              <a:rPr lang="en-IN" sz="1600" dirty="0" err="1"/>
+              <a:t>InstanceId</a:t>
+            </a:r>
+            <a:r>
+              <a:rPr lang="en-IN" sz="1600" dirty="0"/>
+              <a:t> of the newly created EC2 instance",</a:t>
+            </a:r>
+          </a:p>
+          <a:p>
+            <a:pPr marL="457200" lvl="1" indent="0">
+              <a:buNone/>
+            </a:pPr>
+            <a:r>
+              <a:rPr lang="en-IN" sz="1600" dirty="0"/>
+              <a:t>      "Value" : { "Ref" : "EC2Instance" }</a:t>
+            </a:r>
+          </a:p>
+          <a:p>
+            <a:pPr marL="457200" lvl="1" indent="0">
+              <a:buNone/>
+            </a:pPr>
+            <a:r>
+              <a:rPr lang="en-IN" sz="1600" dirty="0"/>
+              <a:t>    },</a:t>
+            </a:r>
+          </a:p>
+          <a:p>
+            <a:pPr marL="457200" lvl="1" indent="0">
+              <a:buNone/>
+            </a:pPr>
+            <a:r>
+              <a:rPr lang="en-IN" sz="1600" dirty="0"/>
+              <a:t>    "AZ" : {</a:t>
+            </a:r>
+          </a:p>
+          <a:p>
+            <a:pPr marL="457200" lvl="1" indent="0">
+              <a:buNone/>
+            </a:pPr>
+            <a:r>
+              <a:rPr lang="en-IN" sz="1600" dirty="0"/>
+              <a:t>      "Description" : "Availability Zone of the newly created EC2 instance",</a:t>
+            </a:r>
+          </a:p>
+          <a:p>
+            <a:pPr marL="457200" lvl="1" indent="0">
+              <a:buNone/>
+            </a:pPr>
+            <a:r>
+              <a:rPr lang="en-IN" sz="1600" dirty="0"/>
+              <a:t>      "Value" : { "</a:t>
+            </a:r>
+            <a:r>
+              <a:rPr lang="en-IN" sz="1600" dirty="0" err="1"/>
+              <a:t>Fn</a:t>
+            </a:r>
+            <a:r>
+              <a:rPr lang="en-IN" sz="1600" dirty="0"/>
+              <a:t>::</a:t>
+            </a:r>
+            <a:r>
+              <a:rPr lang="en-IN" sz="1600" dirty="0" err="1"/>
+              <a:t>GetAtt</a:t>
+            </a:r>
+            <a:r>
+              <a:rPr lang="en-IN" sz="1600" dirty="0"/>
+              <a:t>" : [ "EC2Instance", "</a:t>
+            </a:r>
+            <a:r>
+              <a:rPr lang="en-IN" sz="1600" dirty="0" err="1"/>
+              <a:t>AvailabilityZone</a:t>
+            </a:r>
+            <a:r>
+              <a:rPr lang="en-IN" sz="1600" dirty="0"/>
+              <a:t>" ] }</a:t>
+            </a:r>
+          </a:p>
+          <a:p>
+            <a:pPr marL="457200" lvl="1" indent="0">
+              <a:buNone/>
+            </a:pPr>
+            <a:r>
+              <a:rPr lang="en-IN" sz="1600" dirty="0"/>
+              <a:t>    </a:t>
+            </a:r>
+            <a:r>
+              <a:rPr lang="en-IN" sz="1600" dirty="0" smtClean="0"/>
+              <a:t>}</a:t>
+            </a:r>
+          </a:p>
+          <a:p>
+            <a:pPr marL="457200" lvl="1" indent="0">
+              <a:buNone/>
+            </a:pPr>
+            <a:r>
+              <a:rPr lang="en-IN" sz="1600" b="1" dirty="0"/>
+              <a:t>}</a:t>
+            </a:r>
+            <a:endParaRPr lang="en-IN" sz="1600" b="1" dirty="0" smtClean="0"/>
           </a:p>
         </p:txBody>
       </p:sp>
     </p:spTree>
     <p:extLst>
       <p:ext uri="{BB962C8B-B14F-4D97-AF65-F5344CB8AC3E}">
-        <p14:creationId xmlns:p14="http://schemas.microsoft.com/office/powerpoint/2010/main" val="1034695657"/>
+        <p14:creationId xmlns:p14="http://schemas.microsoft.com/office/powerpoint/2010/main" val="2459915662"/>
+      </p:ext>
+    </p:extLst>
+  </p:cSld>
+  <p:clrMapOvr>
+    <a:masterClrMapping/>
+  </p:clrMapOvr>
+  <p:timing>
+    <p:tnLst>
+      <p:par>
+        <p:cTn id="1" dur="indefinite" restart="never" nodeType="tmRoot"/>
+      </p:par>
+    </p:tnLst>
+  </p:timing>
+</p:sld>
+</file>
+
+<file path=ppt/slides/slide21.xml><?xml version="1.0" encoding="utf-8"?>
+<p:sld xmlns:a="http://schemas.openxmlformats.org/drawingml/2006/main" xmlns:r="http://schemas.openxmlformats.org/officeDocument/2006/relationships" xmlns:p="http://schemas.openxmlformats.org/presentationml/2006/main">
+  <p:cSld>
+    <p:spTree>
+      <p:nvGrpSpPr>
+        <p:cNvPr id="1" name=""/>
+        <p:cNvGrpSpPr/>
+        <p:nvPr/>
+      </p:nvGrpSpPr>
+      <p:grpSpPr>
+        <a:xfrm>
+          <a:off x="0" y="0"/>
+          <a:ext cx="0" cy="0"/>
+          <a:chOff x="0" y="0"/>
+          <a:chExt cx="0" cy="0"/>
+        </a:xfrm>
+      </p:grpSpPr>
+      <p:sp>
+        <p:nvSpPr>
+          <p:cNvPr id="3" name="Content Placeholder 2"/>
+          <p:cNvSpPr>
+            <a:spLocks noGrp="1"/>
+          </p:cNvSpPr>
+          <p:nvPr>
+            <p:ph idx="1"/>
+          </p:nvPr>
+        </p:nvSpPr>
+        <p:spPr>
+          <a:xfrm>
+            <a:off x="1115616" y="1772816"/>
+            <a:ext cx="7772400" cy="4114800"/>
+          </a:xfrm>
+        </p:spPr>
+        <p:txBody>
+          <a:bodyPr/>
+          <a:lstStyle/>
+          <a:p>
+            <a:pPr marL="0" indent="0" algn="ctr">
+              <a:buNone/>
+            </a:pPr>
+            <a:r>
+              <a:rPr lang="en-IN" sz="9600" dirty="0" smtClean="0"/>
+              <a:t>FQA</a:t>
+            </a:r>
+            <a:endParaRPr lang="en-IN" sz="9600" dirty="0"/>
+          </a:p>
+        </p:txBody>
+      </p:sp>
+    </p:spTree>
+    <p:extLst>
+      <p:ext uri="{BB962C8B-B14F-4D97-AF65-F5344CB8AC3E}">
+        <p14:creationId xmlns:p14="http://schemas.microsoft.com/office/powerpoint/2010/main" val="2139627848"/>
+      </p:ext>
+    </p:extLst>
+  </p:cSld>
+  <p:clrMapOvr>
+    <a:masterClrMapping/>
+  </p:clrMapOvr>
+  <p:timing>
+    <p:tnLst>
+      <p:par>
+        <p:cTn id="1" dur="indefinite" restart="never" nodeType="tmRoot"/>
+      </p:par>
+    </p:tnLst>
+  </p:timing>
+</p:sld>
+</file>
+
+<file path=ppt/slides/slide22.xml><?xml version="1.0" encoding="utf-8"?>
+<p:sld xmlns:a="http://schemas.openxmlformats.org/drawingml/2006/main" xmlns:r="http://schemas.openxmlformats.org/officeDocument/2006/relationships" xmlns:p="http://schemas.openxmlformats.org/presentationml/2006/main">
+  <p:cSld>
+    <p:spTree>
+      <p:nvGrpSpPr>
+        <p:cNvPr id="1" name=""/>
+        <p:cNvGrpSpPr/>
+        <p:nvPr/>
+      </p:nvGrpSpPr>
+      <p:grpSpPr>
+        <a:xfrm>
+          <a:off x="0" y="0"/>
+          <a:ext cx="0" cy="0"/>
+          <a:chOff x="0" y="0"/>
+          <a:chExt cx="0" cy="0"/>
+        </a:xfrm>
+      </p:grpSpPr>
+      <p:sp>
+        <p:nvSpPr>
+          <p:cNvPr id="3" name="Content Placeholder 2"/>
+          <p:cNvSpPr>
+            <a:spLocks noGrp="1"/>
+          </p:cNvSpPr>
+          <p:nvPr>
+            <p:ph idx="1"/>
+          </p:nvPr>
+        </p:nvSpPr>
+        <p:spPr>
+          <a:xfrm>
+            <a:off x="1381880" y="2204864"/>
+            <a:ext cx="7772400" cy="4114800"/>
+          </a:xfrm>
+        </p:spPr>
+        <p:txBody>
+          <a:bodyPr/>
+          <a:lstStyle/>
+          <a:p>
+            <a:pPr marL="0" indent="0">
+              <a:buNone/>
+            </a:pPr>
+            <a:r>
+              <a:rPr lang="en-IN" sz="9600" dirty="0" smtClean="0"/>
+              <a:t>Thank </a:t>
+            </a:r>
+            <a:r>
+              <a:rPr lang="en-IN" sz="9600" dirty="0" smtClean="0"/>
+              <a:t>YOU </a:t>
+            </a:r>
+            <a:endParaRPr lang="en-IN" sz="9600" dirty="0"/>
+          </a:p>
+        </p:txBody>
+      </p:sp>
+    </p:spTree>
+    <p:extLst>
+      <p:ext uri="{BB962C8B-B14F-4D97-AF65-F5344CB8AC3E}">
+        <p14:creationId xmlns:p14="http://schemas.microsoft.com/office/powerpoint/2010/main" val="188641182"/>
       </p:ext>
     </p:extLst>
   </p:cSld>
@@ -6414,7 +9512,7 @@
         <p:spPr>
           <a:xfrm>
             <a:off x="1295400" y="260648"/>
-            <a:ext cx="7772400" cy="6696744"/>
+            <a:ext cx="7772400" cy="6408712"/>
           </a:xfrm>
         </p:spPr>
         <p:txBody>
@@ -6446,12 +9544,18 @@
             </a:r>
           </a:p>
           <a:p>
+            <a:pPr marL="0" indent="0">
+              <a:buNone/>
+            </a:pPr>
             <a:r>
               <a:rPr lang="en-IN" sz="1800" b="1" u="sng" dirty="0" smtClean="0"/>
               <a:t>Json  </a:t>
             </a:r>
           </a:p>
           <a:p>
+            <a:pPr marL="0" indent="0">
+              <a:buNone/>
+            </a:pPr>
             <a:r>
               <a:rPr lang="en-IN" sz="1800" b="1" dirty="0" smtClean="0"/>
               <a:t>Example :-</a:t>
@@ -6462,9 +9566,12 @@
             </a:r>
           </a:p>
           <a:p>
+            <a:pPr marL="0" indent="0">
+              <a:buNone/>
+            </a:pPr>
             <a:r>
               <a:rPr lang="en-IN" sz="1800" dirty="0" smtClean="0"/>
-              <a:t>"</a:t>
+              <a:t>   "</a:t>
             </a:r>
             <a:r>
               <a:rPr lang="en-IN" sz="1800" dirty="0"/>
@@ -6518,43 +9625,30 @@
             </a:endParaRPr>
           </a:p>
           <a:p>
+            <a:pPr marL="0" indent="0">
+              <a:buNone/>
+            </a:pPr>
             <a:r>
               <a:rPr lang="en-IN" sz="1800" dirty="0" smtClean="0"/>
-              <a:t>{</a:t>
-            </a:r>
-          </a:p>
-          <a:p>
+              <a:t>    {</a:t>
+            </a:r>
+            <a:endParaRPr lang="en-IN" sz="1800" dirty="0" smtClean="0"/>
+          </a:p>
+          <a:p>
+            <a:pPr marL="0" indent="0">
+              <a:buNone/>
+            </a:pPr>
+            <a:r>
+              <a:rPr lang="en-IN" sz="1800" dirty="0" smtClean="0"/>
+              <a:t>        </a:t>
+            </a:r>
+            <a:r>
+              <a:rPr lang="en-IN" sz="1800" dirty="0"/>
+              <a:t>"Type" : "AWS::EC2::Instance", </a:t>
+            </a:r>
             <a:r>
               <a:rPr lang="en-IN" sz="1800" dirty="0" smtClean="0"/>
               <a:t> </a:t>
-            </a:r>
-            <a:r>
-              <a:rPr lang="en-IN" sz="1800" dirty="0"/>
-              <a:t>"Type" : "AWS::EC2::Instance", </a:t>
-            </a:r>
-            <a:r>
-              <a:rPr lang="en-IN" sz="1800" dirty="0" smtClean="0"/>
-              <a:t> </a:t>
-            </a:r>
-          </a:p>
-          <a:p>
-            <a:r>
-              <a:rPr lang="en-IN" sz="1800" dirty="0" smtClean="0"/>
-              <a:t>"Properties" : { "ImageId" : "ami-79fd7eee", "KeyName" : "testkey",} </a:t>
-            </a:r>
-          </a:p>
-          <a:p>
-            <a:r>
-              <a:rPr lang="en-IN" sz="1800" dirty="0" smtClean="0"/>
-              <a:t>}  </a:t>
-            </a:r>
-            <a:r>
-              <a:rPr lang="en-IN" sz="1800" dirty="0" smtClean="0">
-                <a:solidFill>
-                  <a:srgbClr val="FF00FF"/>
-                </a:solidFill>
-              </a:rPr>
-              <a:t>---------------------- </a:t>
             </a:r>
             <a:r>
               <a:rPr lang="en-IN" sz="1800" dirty="0" smtClean="0">
@@ -6566,37 +9660,91 @@
               <a:t></a:t>
             </a:r>
             <a:r>
-              <a:rPr lang="en-IN" sz="1800" dirty="0" smtClean="0">
-                <a:solidFill>
-                  <a:srgbClr val="FF00FF"/>
-                </a:solidFill>
-                <a:sym typeface="Wingdings" panose="05000000000000000000" pitchFamily="2" charset="2"/>
-              </a:rPr>
-              <a:t>Instructions </a:t>
-            </a:r>
-            <a:r>
               <a:rPr lang="en-IN" sz="1800" dirty="0">
                 <a:solidFill>
                   <a:srgbClr val="FF00FF"/>
                 </a:solidFill>
               </a:rPr>
-              <a:t>function</a:t>
-            </a:r>
-          </a:p>
-          <a:p>
-            <a:endParaRPr lang="en-IN" sz="1800" b="1" dirty="0" smtClean="0"/>
-          </a:p>
-          <a:p>
-            <a:r>
-              <a:rPr lang="en-IN" sz="1800" b="1" u="sng" dirty="0" smtClean="0"/>
-              <a:t>YAML</a:t>
-            </a:r>
-            <a:endParaRPr lang="en-IN" sz="1800" b="1" u="sng" dirty="0"/>
-          </a:p>
-          <a:p>
+              <a:t>Resource type</a:t>
+            </a:r>
+            <a:endParaRPr lang="en-IN" sz="1800" dirty="0">
+              <a:solidFill>
+                <a:srgbClr val="FF00FF"/>
+              </a:solidFill>
+            </a:endParaRPr>
+          </a:p>
+          <a:p>
+            <a:pPr marL="0" indent="0">
+              <a:buNone/>
+            </a:pPr>
+            <a:r>
+              <a:rPr lang="en-IN" sz="1800" dirty="0" smtClean="0"/>
+              <a:t>         "Properties</a:t>
+            </a:r>
+            <a:r>
+              <a:rPr lang="en-IN" sz="1800" dirty="0" smtClean="0"/>
+              <a:t>" : { </a:t>
+            </a:r>
+            <a:endParaRPr lang="en-IN" sz="1800" dirty="0" smtClean="0"/>
+          </a:p>
+          <a:p>
+            <a:pPr marL="0" indent="0">
+              <a:buNone/>
+            </a:pPr>
             <a:r>
               <a:rPr lang="en-IN" sz="1800" dirty="0"/>
-              <a:t>MyEC2Instance: </a:t>
+              <a:t>	</a:t>
+            </a:r>
+            <a:r>
+              <a:rPr lang="en-IN" sz="1800" dirty="0" smtClean="0"/>
+              <a:t>"</a:t>
+            </a:r>
+            <a:r>
+              <a:rPr lang="en-IN" sz="1800" dirty="0" smtClean="0"/>
+              <a:t>ImageId" : "ami-79fd7eee", </a:t>
+            </a:r>
+            <a:endParaRPr lang="en-IN" sz="1800" dirty="0" smtClean="0"/>
+          </a:p>
+          <a:p>
+            <a:pPr marL="0" indent="0">
+              <a:buNone/>
+            </a:pPr>
+            <a:r>
+              <a:rPr lang="en-IN" sz="1800" dirty="0"/>
+              <a:t>	</a:t>
+            </a:r>
+            <a:r>
+              <a:rPr lang="en-IN" sz="1800" dirty="0" smtClean="0"/>
+              <a:t>"</a:t>
+            </a:r>
+            <a:r>
+              <a:rPr lang="en-IN" sz="1800" dirty="0" smtClean="0"/>
+              <a:t>KeyName" : "</a:t>
+            </a:r>
+            <a:r>
+              <a:rPr lang="en-IN" sz="1800" dirty="0" err="1" smtClean="0"/>
+              <a:t>testkey</a:t>
+            </a:r>
+            <a:r>
+              <a:rPr lang="en-IN" sz="1800" dirty="0" smtClean="0"/>
+              <a:t>“</a:t>
+            </a:r>
+          </a:p>
+          <a:p>
+            <a:pPr marL="0" indent="0">
+              <a:buNone/>
+            </a:pPr>
+            <a:r>
+              <a:rPr lang="en-IN" sz="1800" dirty="0"/>
+              <a:t>	</a:t>
+            </a:r>
+            <a:r>
+              <a:rPr lang="en-IN" sz="1800" dirty="0" smtClean="0"/>
+              <a:t>	</a:t>
+            </a:r>
+            <a:r>
+              <a:rPr lang="en-IN" sz="1800" dirty="0" smtClean="0"/>
+              <a:t>} </a:t>
             </a:r>
             <a:r>
               <a:rPr lang="en-IN" sz="1800" dirty="0">
@@ -6604,7 +9752,7 @@
                   <a:srgbClr val="FF00FF"/>
                 </a:solidFill>
               </a:rPr>
-              <a:t>------------</a:t>
+              <a:t>---------------------- </a:t>
             </a:r>
             <a:r>
               <a:rPr lang="en-IN" sz="1800" dirty="0">
@@ -6616,76 +9764,62 @@
               <a:t></a:t>
             </a:r>
             <a:r>
+              <a:rPr lang="en-IN" sz="1800" i="1" dirty="0"/>
+              <a:t> </a:t>
+            </a:r>
+            <a:r>
               <a:rPr lang="en-IN" sz="1800" dirty="0">
                 <a:solidFill>
                   <a:srgbClr val="FF00FF"/>
                 </a:solidFill>
               </a:rPr>
-              <a:t> Logical ID</a:t>
+              <a:t>Set of properties</a:t>
             </a:r>
             <a:endParaRPr lang="en-IN" sz="1800" dirty="0" smtClean="0"/>
           </a:p>
           <a:p>
+            <a:pPr marL="0" indent="0">
+              <a:buNone/>
+            </a:pPr>
             <a:r>
               <a:rPr lang="en-IN" sz="1800" dirty="0" smtClean="0"/>
-              <a:t>Type</a:t>
+              <a:t>      }</a:t>
+            </a:r>
+            <a:endParaRPr lang="en-IN" sz="1800" dirty="0">
+              <a:solidFill>
+                <a:srgbClr val="FF00FF"/>
+              </a:solidFill>
+            </a:endParaRPr>
+          </a:p>
+          <a:p>
+            <a:pPr marL="0" indent="0">
+              <a:buNone/>
+            </a:pPr>
+            <a:r>
+              <a:rPr lang="en-IN" sz="1800" b="1" u="sng" dirty="0" smtClean="0"/>
+              <a:t>YML</a:t>
+            </a:r>
+            <a:endParaRPr lang="en-IN" sz="1800" b="1" u="sng" dirty="0"/>
+          </a:p>
+          <a:p>
+            <a:pPr marL="0" indent="0">
+              <a:buNone/>
+            </a:pPr>
+            <a:r>
+              <a:rPr lang="en-IN" sz="1800" dirty="0" smtClean="0"/>
+              <a:t>       MyEC2Instance</a:t>
             </a:r>
             <a:r>
               <a:rPr lang="en-IN" sz="1800" dirty="0"/>
               <a:t>: </a:t>
             </a:r>
             <a:r>
-              <a:rPr lang="en-IN" sz="1800" dirty="0" smtClean="0"/>
-              <a:t>AWS</a:t>
-            </a:r>
-            <a:r>
-              <a:rPr lang="en-IN" sz="1800" dirty="0"/>
-              <a:t>::EC2::Instance </a:t>
-            </a:r>
-            <a:endParaRPr lang="en-IN" sz="1800" dirty="0" smtClean="0"/>
-          </a:p>
-          <a:p>
-            <a:r>
-              <a:rPr lang="en-IN" sz="1800" dirty="0" smtClean="0"/>
-              <a:t>Properties</a:t>
-            </a:r>
-            <a:r>
-              <a:rPr lang="en-IN" sz="1800" dirty="0"/>
-              <a:t>: ImageId: "</a:t>
-            </a:r>
-            <a:r>
-              <a:rPr lang="en-IN" sz="1800" dirty="0" smtClean="0"/>
-              <a:t>ami-79fd7eee“</a:t>
-            </a:r>
-          </a:p>
-          <a:p>
-            <a:r>
-              <a:rPr lang="en-IN" sz="1800" dirty="0"/>
-              <a:t> </a:t>
-            </a:r>
-            <a:r>
-              <a:rPr lang="en-IN" sz="1800" dirty="0" smtClean="0"/>
-              <a:t>                  </a:t>
-            </a:r>
-            <a:r>
-              <a:rPr lang="en-IN" sz="1800" dirty="0" smtClean="0"/>
-              <a:t> </a:t>
-            </a:r>
-            <a:r>
-              <a:rPr lang="en-IN" sz="1800" dirty="0"/>
-              <a:t>KeyName: "</a:t>
-            </a:r>
-            <a:r>
-              <a:rPr lang="en-IN" sz="1800" dirty="0" smtClean="0"/>
-              <a:t>testkey“  </a:t>
-            </a:r>
-            <a:r>
-              <a:rPr lang="en-IN" sz="1800" dirty="0" smtClean="0">
+              <a:rPr lang="en-IN" sz="1800" dirty="0">
                 <a:solidFill>
                   <a:srgbClr val="FF00FF"/>
                 </a:solidFill>
               </a:rPr>
-              <a:t>---------------------- </a:t>
+              <a:t>------------</a:t>
             </a:r>
             <a:r>
               <a:rPr lang="en-IN" sz="1800" dirty="0">
@@ -6697,13 +9831,104 @@
               <a:t></a:t>
             </a:r>
             <a:r>
+              <a:rPr lang="en-IN" sz="1800" dirty="0">
+                <a:solidFill>
+                  <a:srgbClr val="FF00FF"/>
+                </a:solidFill>
+              </a:rPr>
+              <a:t> Logical ID</a:t>
+            </a:r>
+            <a:endParaRPr lang="en-IN" sz="1800" dirty="0" smtClean="0"/>
+          </a:p>
+          <a:p>
+            <a:pPr marL="0" indent="0">
+              <a:buNone/>
+            </a:pPr>
+            <a:r>
+              <a:rPr lang="en-IN" sz="1800" dirty="0" smtClean="0"/>
+              <a:t>        Type</a:t>
+            </a:r>
+            <a:r>
+              <a:rPr lang="en-IN" sz="1800" dirty="0"/>
+              <a:t>: </a:t>
+            </a:r>
+            <a:r>
+              <a:rPr lang="en-IN" sz="1800" dirty="0" smtClean="0"/>
+              <a:t>AWS</a:t>
+            </a:r>
+            <a:r>
+              <a:rPr lang="en-IN" sz="1800" dirty="0"/>
+              <a:t>::EC2::Instance </a:t>
+            </a:r>
+            <a:r>
+              <a:rPr lang="en-IN" sz="1800" dirty="0">
+                <a:solidFill>
+                  <a:srgbClr val="FF00FF"/>
+                </a:solidFill>
+                <a:sym typeface="Wingdings" panose="05000000000000000000" pitchFamily="2" charset="2"/>
+              </a:rPr>
+              <a:t></a:t>
+            </a:r>
+            <a:r>
+              <a:rPr lang="en-IN" sz="1800" dirty="0">
+                <a:solidFill>
+                  <a:srgbClr val="FF00FF"/>
+                </a:solidFill>
+              </a:rPr>
+              <a:t>Resource type</a:t>
+            </a:r>
+            <a:endParaRPr lang="en-IN" sz="1800" dirty="0" smtClean="0"/>
+          </a:p>
+          <a:p>
+            <a:pPr marL="0" indent="0">
+              <a:buNone/>
+            </a:pPr>
+            <a:r>
+              <a:rPr lang="en-IN" sz="1800" dirty="0" smtClean="0"/>
+              <a:t>         Properties</a:t>
+            </a:r>
+            <a:r>
+              <a:rPr lang="en-IN" sz="1800" dirty="0"/>
+              <a:t>: ImageId: "</a:t>
+            </a:r>
+            <a:r>
+              <a:rPr lang="en-IN" sz="1800" dirty="0" smtClean="0"/>
+              <a:t>ami-79fd7eee</a:t>
+            </a:r>
+            <a:endParaRPr lang="en-IN" sz="1800" dirty="0"/>
+          </a:p>
+          <a:p>
+            <a:pPr marL="0" indent="0">
+              <a:buNone/>
+            </a:pPr>
+            <a:r>
+              <a:rPr lang="en-IN" sz="1800" dirty="0" smtClean="0"/>
+              <a:t>         </a:t>
+            </a:r>
+            <a:r>
+              <a:rPr lang="en-IN" sz="1800" dirty="0"/>
+              <a:t>KeyName: "</a:t>
+            </a:r>
+            <a:r>
+              <a:rPr lang="en-IN" sz="1800" dirty="0" smtClean="0"/>
+              <a:t>testkey“  </a:t>
+            </a:r>
+            <a:r>
+              <a:rPr lang="en-IN" sz="1800" dirty="0" smtClean="0">
+                <a:solidFill>
+                  <a:srgbClr val="FF00FF"/>
+                </a:solidFill>
+              </a:rPr>
+              <a:t>---------------------- </a:t>
+            </a:r>
+            <a:r>
               <a:rPr lang="en-IN" sz="1800" dirty="0" smtClean="0">
                 <a:solidFill>
                   <a:srgbClr val="FF00FF"/>
                 </a:solidFill>
                 <a:sym typeface="Wingdings" panose="05000000000000000000" pitchFamily="2" charset="2"/>
               </a:rPr>
-              <a:t>Instructions </a:t>
+              <a:t></a:t>
             </a:r>
             <a:r>
               <a:rPr lang="en-IN" sz="1800" dirty="0">
@@ -6711,7 +9936,7 @@
                   <a:srgbClr val="FF00FF"/>
                 </a:solidFill>
               </a:rPr>
-              <a:t>function</a:t>
+              <a:t>Set of properties</a:t>
             </a:r>
           </a:p>
           <a:p>
@@ -6769,13 +9994,16 @@
         <p:spPr>
           <a:xfrm>
             <a:off x="1187624" y="1052736"/>
-            <a:ext cx="7772400" cy="5688632"/>
+            <a:ext cx="7956376" cy="5805264"/>
           </a:xfrm>
         </p:spPr>
         <p:txBody>
           <a:bodyPr/>
           <a:lstStyle/>
           <a:p>
+            <a:pPr marL="0" indent="0">
+              <a:buNone/>
+            </a:pPr>
             <a:r>
               <a:rPr lang="en-IN" sz="2800" dirty="0"/>
               <a:t>{ </a:t>
@@ -6783,57 +10011,77 @@
             <a:endParaRPr lang="en-IN" sz="2800" dirty="0" smtClean="0"/>
           </a:p>
           <a:p>
+            <a:pPr marL="0" indent="0">
+              <a:buNone/>
+            </a:pPr>
+            <a:r>
+              <a:rPr lang="en-IN" sz="2800" dirty="0" smtClean="0"/>
+              <a:t>  "</a:t>
+            </a:r>
+            <a:r>
+              <a:rPr lang="en-IN" sz="2800" dirty="0"/>
+              <a:t>AWSTemplateFormatVersion" : </a:t>
+            </a:r>
+            <a:r>
+              <a:rPr lang="en-IN" sz="2800" dirty="0"/>
+              <a:t>"2010-09-09", </a:t>
+            </a:r>
+            <a:endParaRPr lang="en-IN" sz="2800" dirty="0" smtClean="0"/>
+          </a:p>
+          <a:p>
+            <a:pPr marL="0" indent="0">
+              <a:buNone/>
+            </a:pPr>
+            <a:r>
+              <a:rPr lang="en-IN" sz="2800" dirty="0" smtClean="0"/>
+              <a:t>      	"</a:t>
+            </a:r>
+            <a:r>
+              <a:rPr lang="en-IN" sz="2800" dirty="0"/>
+              <a:t>Description" : "JSON string", </a:t>
+            </a:r>
+            <a:endParaRPr lang="en-IN" sz="2800" dirty="0" smtClean="0"/>
+          </a:p>
+          <a:p>
+            <a:pPr marL="0" indent="0">
+              <a:buNone/>
+            </a:pPr>
+            <a:r>
+              <a:rPr lang="en-IN" sz="2800" dirty="0" smtClean="0"/>
+              <a:t>	"Metadata</a:t>
+            </a:r>
+            <a:r>
+              <a:rPr lang="en-IN" sz="2800" dirty="0"/>
+              <a:t>" : { </a:t>
+            </a:r>
+            <a:r>
+              <a:rPr lang="en-IN" sz="2800" dirty="0" smtClean="0"/>
+              <a:t>template metadata</a:t>
+            </a:r>
+            <a:r>
+              <a:rPr lang="en-IN" sz="2800" dirty="0"/>
+              <a:t> </a:t>
+            </a:r>
+            <a:r>
+              <a:rPr lang="en-IN" sz="2800" dirty="0" smtClean="0"/>
+              <a:t>},</a:t>
+            </a:r>
+          </a:p>
+          <a:p>
+            <a:pPr marL="0" indent="0">
+              <a:buNone/>
+            </a:pPr>
+            <a:r>
+              <a:rPr lang="en-IN" sz="2800" dirty="0"/>
+              <a:t>	</a:t>
+            </a:r>
             <a:r>
               <a:rPr lang="en-IN" sz="2800" dirty="0" smtClean="0"/>
               <a:t>"</a:t>
             </a:r>
             <a:r>
               <a:rPr lang="en-IN" sz="2800" dirty="0"/>
-              <a:t>AWSTemplateFormatVersion" : "version date", </a:t>
-            </a:r>
-            <a:endParaRPr lang="en-IN" sz="2800" dirty="0" smtClean="0"/>
-          </a:p>
-          <a:p>
-            <a:r>
-              <a:rPr lang="en-IN" sz="2800" dirty="0" smtClean="0"/>
-              <a:t>"</a:t>
-            </a:r>
-            <a:r>
-              <a:rPr lang="en-IN" sz="2800" dirty="0"/>
-              <a:t>Description" : "JSON string", </a:t>
-            </a:r>
-            <a:endParaRPr lang="en-IN" sz="2800" dirty="0" smtClean="0"/>
-          </a:p>
-          <a:p>
-            <a:r>
-              <a:rPr lang="en-IN" sz="2800" dirty="0" smtClean="0"/>
-              <a:t>"</a:t>
-            </a:r>
-            <a:r>
-              <a:rPr lang="en-IN" sz="2800" dirty="0"/>
-              <a:t>Metadata" : { </a:t>
-            </a:r>
-            <a:r>
-              <a:rPr lang="en-IN" sz="2800" dirty="0" smtClean="0"/>
-              <a:t>template metadata</a:t>
-            </a:r>
-            <a:r>
-              <a:rPr lang="en-IN" sz="2800" dirty="0"/>
-              <a:t> </a:t>
-            </a:r>
-            <a:r>
-              <a:rPr lang="en-IN" sz="2800" dirty="0" smtClean="0"/>
-              <a:t>},</a:t>
-            </a:r>
-          </a:p>
-          <a:p>
-            <a:r>
-              <a:rPr lang="en-IN" sz="2800" dirty="0" smtClean="0"/>
-              <a:t> </a:t>
-            </a:r>
-            <a:r>
-              <a:rPr lang="en-IN" sz="2800" dirty="0"/>
-              <a:t>"Parameters" : { </a:t>
+              <a:t>Parameters" : { </a:t>
             </a:r>
             <a:r>
               <a:rPr lang="en-IN" sz="2800" dirty="0" smtClean="0"/>
@@ -6846,9 +10094,12 @@
             <a:endParaRPr lang="en-IN" sz="2800" dirty="0" smtClean="0"/>
           </a:p>
           <a:p>
+            <a:pPr marL="0" indent="0">
+              <a:buNone/>
+            </a:pPr>
             <a:r>
               <a:rPr lang="en-IN" sz="2800" dirty="0" smtClean="0"/>
-              <a:t>"</a:t>
+              <a:t>	"</a:t>
             </a:r>
             <a:r>
               <a:rPr lang="en-IN" sz="2800" dirty="0"/>
@@ -6865,9 +10116,12 @@
             <a:endParaRPr lang="en-IN" sz="2800" dirty="0" smtClean="0"/>
           </a:p>
           <a:p>
+            <a:pPr marL="0" indent="0">
+              <a:buNone/>
+            </a:pPr>
             <a:r>
               <a:rPr lang="en-IN" sz="2800" dirty="0" smtClean="0"/>
-              <a:t>"</a:t>
+              <a:t>	"</a:t>
             </a:r>
             <a:r>
               <a:rPr lang="en-IN" sz="2800" dirty="0"/>
@@ -6884,9 +10138,12 @@
             <a:endParaRPr lang="en-IN" sz="2800" dirty="0" smtClean="0"/>
           </a:p>
           <a:p>
+            <a:pPr marL="0" indent="0">
+              <a:buNone/>
+            </a:pPr>
             <a:r>
               <a:rPr lang="en-IN" sz="2800" dirty="0" smtClean="0"/>
-              <a:t>"</a:t>
+              <a:t>	"</a:t>
             </a:r>
             <a:r>
               <a:rPr lang="en-IN" sz="2800" dirty="0"/>
@@ -6903,13 +10160,16 @@
             <a:endParaRPr lang="en-IN" sz="2800" dirty="0" smtClean="0"/>
           </a:p>
           <a:p>
+            <a:pPr marL="0" indent="0">
+              <a:buNone/>
+            </a:pPr>
             <a:r>
               <a:rPr lang="en-IN" sz="2800" dirty="0" smtClean="0">
                 <a:solidFill>
                   <a:srgbClr val="FF00FF"/>
                 </a:solidFill>
               </a:rPr>
-              <a:t>"</a:t>
+              <a:t>	"</a:t>
             </a:r>
             <a:r>
               <a:rPr lang="en-IN" sz="2800" dirty="0">
@@ -6942,9 +10202,12 @@
             </a:endParaRPr>
           </a:p>
           <a:p>
+            <a:pPr marL="0" indent="0">
+              <a:buNone/>
+            </a:pPr>
             <a:r>
               <a:rPr lang="en-IN" sz="2800" dirty="0" smtClean="0"/>
-              <a:t>"</a:t>
+              <a:t>	"</a:t>
             </a:r>
             <a:r>
               <a:rPr lang="en-IN" sz="2800" dirty="0"/>
@@ -6961,6 +10224,9 @@
             <a:endParaRPr lang="en-IN" sz="2800" dirty="0" smtClean="0"/>
           </a:p>
           <a:p>
+            <a:pPr marL="0" indent="0">
+              <a:buNone/>
+            </a:pPr>
             <a:r>
               <a:rPr lang="en-IN" sz="2800" dirty="0" smtClean="0"/>
               <a:t>}</a:t>
@@ -6981,8 +10247,8 @@
         </p:nvSpPr>
         <p:spPr>
           <a:xfrm>
-            <a:off x="1259632" y="22904"/>
-            <a:ext cx="7772400" cy="1143000"/>
+            <a:off x="1259632" y="0"/>
+            <a:ext cx="7772400" cy="1043608"/>
           </a:xfrm>
         </p:spPr>
         <p:txBody>
@@ -7050,24 +10316,46 @@
         </p:nvSpPr>
         <p:spPr>
           <a:xfrm>
-            <a:off x="1295400" y="1700808"/>
-            <a:ext cx="7772400" cy="4318992"/>
+            <a:off x="1295400" y="1340768"/>
+            <a:ext cx="7848600" cy="5040560"/>
           </a:xfrm>
         </p:spPr>
         <p:txBody>
           <a:bodyPr/>
           <a:lstStyle/>
           <a:p>
+            <a:pPr marL="0" indent="0">
+              <a:buNone/>
+            </a:pPr>
+            <a:r>
+              <a:rPr lang="en-IN" sz="2800" dirty="0" err="1" smtClean="0"/>
+              <a:t>AWSTemplateFormatVersion</a:t>
+            </a:r>
             <a:r>
               <a:rPr lang="en-IN" sz="2800" dirty="0"/>
-              <a:t>AWSTemplateFormatVersion: "version date" Description: String </a:t>
+              <a:t>: </a:t>
+            </a:r>
+            <a:r>
+              <a:rPr lang="en-IN" sz="2800" dirty="0"/>
+              <a:t>"2010-09-09" </a:t>
+            </a:r>
+            <a:r>
+              <a:rPr lang="en-IN" sz="2800" dirty="0" smtClean="0"/>
+              <a:t>	Description</a:t>
+            </a:r>
+            <a:r>
+              <a:rPr lang="en-IN" sz="2800" dirty="0"/>
+              <a:t>: String </a:t>
             </a:r>
             <a:endParaRPr lang="en-IN" sz="2800" dirty="0" smtClean="0"/>
           </a:p>
           <a:p>
+            <a:pPr marL="0" indent="0">
+              <a:buNone/>
+            </a:pPr>
             <a:r>
               <a:rPr lang="en-IN" sz="2800" dirty="0" smtClean="0"/>
-              <a:t>Metadata</a:t>
+              <a:t>	Metadata</a:t>
             </a:r>
             <a:r>
               <a:rPr lang="en-IN" sz="2800" dirty="0"/>
@@ -7079,9 +10367,12 @@
             </a:r>
           </a:p>
           <a:p>
+            <a:pPr marL="0" indent="0">
+              <a:buNone/>
+            </a:pPr>
             <a:r>
               <a:rPr lang="en-IN" sz="2800" dirty="0" smtClean="0"/>
-              <a:t>Parameters</a:t>
+              <a:t>	Parameters</a:t>
             </a:r>
             <a:r>
               <a:rPr lang="en-IN" sz="2800" dirty="0"/>
@@ -7106,9 +10397,12 @@
             <a:endParaRPr lang="en-IN" sz="2800" dirty="0" smtClean="0"/>
           </a:p>
           <a:p>
+            <a:pPr marL="0" indent="0">
+              <a:buNone/>
+            </a:pPr>
             <a:r>
               <a:rPr lang="en-IN" sz="2800" dirty="0" smtClean="0"/>
-              <a:t>Mappings</a:t>
+              <a:t>	Mappings</a:t>
             </a:r>
             <a:r>
               <a:rPr lang="en-IN" sz="2800" dirty="0"/>
@@ -7128,9 +10422,12 @@
             </a:r>
           </a:p>
           <a:p>
+            <a:pPr marL="0" indent="0">
+              <a:buNone/>
+            </a:pPr>
             <a:r>
               <a:rPr lang="en-IN" sz="2800" dirty="0" smtClean="0"/>
-              <a:t>Conditions</a:t>
+              <a:t>	Conditions</a:t>
             </a:r>
             <a:r>
               <a:rPr lang="en-IN" sz="2800" dirty="0"/>
@@ -7155,9 +10452,12 @@
             <a:endParaRPr lang="en-IN" sz="2800" dirty="0" smtClean="0"/>
           </a:p>
           <a:p>
+            <a:pPr marL="0" indent="0">
+              <a:buNone/>
+            </a:pPr>
             <a:r>
               <a:rPr lang="en-IN" sz="2800" dirty="0" smtClean="0"/>
-              <a:t>Transform</a:t>
+              <a:t>	Transform</a:t>
             </a:r>
             <a:r>
               <a:rPr lang="en-IN" sz="2800" dirty="0"/>
@@ -7182,13 +10482,16 @@
             <a:endParaRPr lang="en-IN" sz="2800" dirty="0" smtClean="0"/>
           </a:p>
           <a:p>
+            <a:pPr marL="0" indent="0">
+              <a:buNone/>
+            </a:pPr>
             <a:r>
               <a:rPr lang="en-IN" sz="2800" dirty="0" smtClean="0">
                 <a:solidFill>
                   <a:srgbClr val="FF00FF"/>
                 </a:solidFill>
               </a:rPr>
-              <a:t>Resources</a:t>
+              <a:t>	Resources</a:t>
             </a:r>
             <a:r>
               <a:rPr lang="en-IN" sz="2800" dirty="0">
@@ -7237,9 +10540,12 @@
             </a:endParaRPr>
           </a:p>
           <a:p>
+            <a:pPr marL="0" indent="0">
+              <a:buNone/>
+            </a:pPr>
             <a:r>
               <a:rPr lang="en-IN" sz="2800" dirty="0" smtClean="0"/>
-              <a:t>Outputs</a:t>
+              <a:t>	Outputs</a:t>
             </a:r>
             <a:r>
               <a:rPr lang="en-IN" sz="2800" dirty="0"/>
